--- a/Lab2/Lab 2.pptx
+++ b/Lab2/Lab 2.pptx
@@ -1,15 +1,24 @@
 
 <file path=ppt/presentation.xml><?xml version="1.0" encoding="utf-8"?>
-<p:presentation xmlns:a="http://schemas.openxmlformats.org/drawingml/2006/main" xmlns:r="http://schemas.openxmlformats.org/officeDocument/2006/relationships" xmlns:p="http://schemas.openxmlformats.org/presentationml/2006/main">
+<p:presentation xmlns:a="http://schemas.openxmlformats.org/drawingml/2006/main" xmlns:r="http://schemas.openxmlformats.org/officeDocument/2006/relationships" xmlns:p="http://schemas.openxmlformats.org/presentationml/2006/main" saveSubsetFonts="1">
   <p:sldMasterIdLst>
     <p:sldMasterId id="2147483648" r:id="rId1"/>
   </p:sldMasterIdLst>
   <p:handoutMasterIdLst>
-    <p:handoutMasterId r:id="rId4"/>
+    <p:handoutMasterId r:id="rId13"/>
   </p:handoutMasterIdLst>
   <p:sldIdLst>
     <p:sldId id="256" r:id="rId2"/>
-    <p:sldId id="260" r:id="rId3"/>
+    <p:sldId id="257" r:id="rId3"/>
+    <p:sldId id="258" r:id="rId4"/>
+    <p:sldId id="260" r:id="rId5"/>
+    <p:sldId id="261" r:id="rId6"/>
+    <p:sldId id="262" r:id="rId7"/>
+    <p:sldId id="266" r:id="rId8"/>
+    <p:sldId id="267" r:id="rId9"/>
+    <p:sldId id="268" r:id="rId10"/>
+    <p:sldId id="269" r:id="rId11"/>
+    <p:sldId id="263" r:id="rId12"/>
   </p:sldIdLst>
   <p:sldSz cx="12192000" cy="6858000"/>
   <p:notesSz cx="7010400" cy="9296400"/>
@@ -198,7 +207,7 @@
           <a:p>
             <a:fld id="{43828497-B133-47ED-BB19-42F4D3E0744C}" type="datetimeFigureOut">
               <a:rPr lang="en-US" smtClean="0"/>
-              <a:t>8/26/2019</a:t>
+              <a:t>8/30/2019</a:t>
             </a:fld>
             <a:endParaRPr lang="en-US"/>
           </a:p>
@@ -271,6 +280,11 @@
         </p:txBody>
       </p:sp>
     </p:spTree>
+    <p:extLst>
+      <p:ext uri="{BB962C8B-B14F-4D97-AF65-F5344CB8AC3E}">
+        <p14:creationId xmlns:p14="http://schemas.microsoft.com/office/powerpoint/2010/main" val="3628086953"/>
+      </p:ext>
+    </p:extLst>
   </p:cSld>
   <p:clrMap bg1="lt1" tx1="dk1" bg2="lt2" tx2="dk2" accent1="accent1" accent2="accent2" accent3="accent3" accent4="accent4" accent5="accent5" accent6="accent6" hlink="hlink" folHlink="folHlink"/>
 </p:handoutMaster>
@@ -405,7 +419,7 @@
           <a:p>
             <a:fld id="{D8FB3228-FF70-4911-9C29-93CE4A8BFC98}" type="datetimeFigureOut">
               <a:rPr lang="en-US" smtClean="0"/>
-              <a:t>8/26/2019</a:t>
+              <a:t>8/30/2019</a:t>
             </a:fld>
             <a:endParaRPr lang="en-US"/>
           </a:p>
@@ -454,6 +468,11 @@
         </p:txBody>
       </p:sp>
     </p:spTree>
+    <p:extLst>
+      <p:ext uri="{BB962C8B-B14F-4D97-AF65-F5344CB8AC3E}">
+        <p14:creationId xmlns:p14="http://schemas.microsoft.com/office/powerpoint/2010/main" val="3445476627"/>
+      </p:ext>
+    </p:extLst>
   </p:cSld>
   <p:clrMapOvr>
     <a:masterClrMapping/>
@@ -568,7 +587,7 @@
           <a:p>
             <a:fld id="{D8FB3228-FF70-4911-9C29-93CE4A8BFC98}" type="datetimeFigureOut">
               <a:rPr lang="en-US" smtClean="0"/>
-              <a:t>8/26/2019</a:t>
+              <a:t>8/30/2019</a:t>
             </a:fld>
             <a:endParaRPr lang="en-US"/>
           </a:p>
@@ -617,6 +636,11 @@
         </p:txBody>
       </p:sp>
     </p:spTree>
+    <p:extLst>
+      <p:ext uri="{BB962C8B-B14F-4D97-AF65-F5344CB8AC3E}">
+        <p14:creationId xmlns:p14="http://schemas.microsoft.com/office/powerpoint/2010/main" val="726634927"/>
+      </p:ext>
+    </p:extLst>
   </p:cSld>
   <p:clrMapOvr>
     <a:masterClrMapping/>
@@ -741,7 +765,7 @@
           <a:p>
             <a:fld id="{D8FB3228-FF70-4911-9C29-93CE4A8BFC98}" type="datetimeFigureOut">
               <a:rPr lang="en-US" smtClean="0"/>
-              <a:t>8/26/2019</a:t>
+              <a:t>8/30/2019</a:t>
             </a:fld>
             <a:endParaRPr lang="en-US"/>
           </a:p>
@@ -790,6 +814,11 @@
         </p:txBody>
       </p:sp>
     </p:spTree>
+    <p:extLst>
+      <p:ext uri="{BB962C8B-B14F-4D97-AF65-F5344CB8AC3E}">
+        <p14:creationId xmlns:p14="http://schemas.microsoft.com/office/powerpoint/2010/main" val="3168049473"/>
+      </p:ext>
+    </p:extLst>
   </p:cSld>
   <p:clrMapOvr>
     <a:masterClrMapping/>
@@ -904,7 +933,7 @@
           <a:p>
             <a:fld id="{D8FB3228-FF70-4911-9C29-93CE4A8BFC98}" type="datetimeFigureOut">
               <a:rPr lang="en-US" smtClean="0"/>
-              <a:t>8/26/2019</a:t>
+              <a:t>8/30/2019</a:t>
             </a:fld>
             <a:endParaRPr lang="en-US"/>
           </a:p>
@@ -953,6 +982,11 @@
         </p:txBody>
       </p:sp>
     </p:spTree>
+    <p:extLst>
+      <p:ext uri="{BB962C8B-B14F-4D97-AF65-F5344CB8AC3E}">
+        <p14:creationId xmlns:p14="http://schemas.microsoft.com/office/powerpoint/2010/main" val="3896498362"/>
+      </p:ext>
+    </p:extLst>
   </p:cSld>
   <p:clrMapOvr>
     <a:masterClrMapping/>
@@ -1144,7 +1178,7 @@
           <a:p>
             <a:fld id="{D8FB3228-FF70-4911-9C29-93CE4A8BFC98}" type="datetimeFigureOut">
               <a:rPr lang="en-US" smtClean="0"/>
-              <a:t>8/26/2019</a:t>
+              <a:t>8/30/2019</a:t>
             </a:fld>
             <a:endParaRPr lang="en-US"/>
           </a:p>
@@ -1193,6 +1227,11 @@
         </p:txBody>
       </p:sp>
     </p:spTree>
+    <p:extLst>
+      <p:ext uri="{BB962C8B-B14F-4D97-AF65-F5344CB8AC3E}">
+        <p14:creationId xmlns:p14="http://schemas.microsoft.com/office/powerpoint/2010/main" val="932504656"/>
+      </p:ext>
+    </p:extLst>
   </p:cSld>
   <p:clrMapOvr>
     <a:masterClrMapping/>
@@ -1368,7 +1407,7 @@
           <a:p>
             <a:fld id="{D8FB3228-FF70-4911-9C29-93CE4A8BFC98}" type="datetimeFigureOut">
               <a:rPr lang="en-US" smtClean="0"/>
-              <a:t>8/26/2019</a:t>
+              <a:t>8/30/2019</a:t>
             </a:fld>
             <a:endParaRPr lang="en-US"/>
           </a:p>
@@ -1417,6 +1456,11 @@
         </p:txBody>
       </p:sp>
     </p:spTree>
+    <p:extLst>
+      <p:ext uri="{BB962C8B-B14F-4D97-AF65-F5344CB8AC3E}">
+        <p14:creationId xmlns:p14="http://schemas.microsoft.com/office/powerpoint/2010/main" val="133725681"/>
+      </p:ext>
+    </p:extLst>
   </p:cSld>
   <p:clrMapOvr>
     <a:masterClrMapping/>
@@ -1727,7 +1771,7 @@
           <a:p>
             <a:fld id="{D8FB3228-FF70-4911-9C29-93CE4A8BFC98}" type="datetimeFigureOut">
               <a:rPr lang="en-US" smtClean="0"/>
-              <a:t>8/26/2019</a:t>
+              <a:t>8/30/2019</a:t>
             </a:fld>
             <a:endParaRPr lang="en-US"/>
           </a:p>
@@ -1776,6 +1820,11 @@
         </p:txBody>
       </p:sp>
     </p:spTree>
+    <p:extLst>
+      <p:ext uri="{BB962C8B-B14F-4D97-AF65-F5344CB8AC3E}">
+        <p14:creationId xmlns:p14="http://schemas.microsoft.com/office/powerpoint/2010/main" val="2333522395"/>
+      </p:ext>
+    </p:extLst>
   </p:cSld>
   <p:clrMapOvr>
     <a:masterClrMapping/>
@@ -1839,7 +1888,7 @@
           <a:p>
             <a:fld id="{D8FB3228-FF70-4911-9C29-93CE4A8BFC98}" type="datetimeFigureOut">
               <a:rPr lang="en-US" smtClean="0"/>
-              <a:t>8/26/2019</a:t>
+              <a:t>8/30/2019</a:t>
             </a:fld>
             <a:endParaRPr lang="en-US"/>
           </a:p>
@@ -1888,6 +1937,11 @@
         </p:txBody>
       </p:sp>
     </p:spTree>
+    <p:extLst>
+      <p:ext uri="{BB962C8B-B14F-4D97-AF65-F5344CB8AC3E}">
+        <p14:creationId xmlns:p14="http://schemas.microsoft.com/office/powerpoint/2010/main" val="758846893"/>
+      </p:ext>
+    </p:extLst>
   </p:cSld>
   <p:clrMapOvr>
     <a:masterClrMapping/>
@@ -1929,7 +1983,7 @@
           <a:p>
             <a:fld id="{D8FB3228-FF70-4911-9C29-93CE4A8BFC98}" type="datetimeFigureOut">
               <a:rPr lang="en-US" smtClean="0"/>
-              <a:t>8/26/2019</a:t>
+              <a:t>8/30/2019</a:t>
             </a:fld>
             <a:endParaRPr lang="en-US"/>
           </a:p>
@@ -1978,6 +2032,11 @@
         </p:txBody>
       </p:sp>
     </p:spTree>
+    <p:extLst>
+      <p:ext uri="{BB962C8B-B14F-4D97-AF65-F5344CB8AC3E}">
+        <p14:creationId xmlns:p14="http://schemas.microsoft.com/office/powerpoint/2010/main" val="3311703661"/>
+      </p:ext>
+    </p:extLst>
   </p:cSld>
   <p:clrMapOvr>
     <a:masterClrMapping/>
@@ -2199,7 +2258,7 @@
           <a:p>
             <a:fld id="{D8FB3228-FF70-4911-9C29-93CE4A8BFC98}" type="datetimeFigureOut">
               <a:rPr lang="en-US" smtClean="0"/>
-              <a:t>8/26/2019</a:t>
+              <a:t>8/30/2019</a:t>
             </a:fld>
             <a:endParaRPr lang="en-US"/>
           </a:p>
@@ -2248,6 +2307,11 @@
         </p:txBody>
       </p:sp>
     </p:spTree>
+    <p:extLst>
+      <p:ext uri="{BB962C8B-B14F-4D97-AF65-F5344CB8AC3E}">
+        <p14:creationId xmlns:p14="http://schemas.microsoft.com/office/powerpoint/2010/main" val="2780946734"/>
+      </p:ext>
+    </p:extLst>
   </p:cSld>
   <p:clrMapOvr>
     <a:masterClrMapping/>
@@ -2446,7 +2510,7 @@
           <a:p>
             <a:fld id="{D8FB3228-FF70-4911-9C29-93CE4A8BFC98}" type="datetimeFigureOut">
               <a:rPr lang="en-US" smtClean="0"/>
-              <a:t>8/26/2019</a:t>
+              <a:t>8/30/2019</a:t>
             </a:fld>
             <a:endParaRPr lang="en-US"/>
           </a:p>
@@ -2495,6 +2559,11 @@
         </p:txBody>
       </p:sp>
     </p:spTree>
+    <p:extLst>
+      <p:ext uri="{BB962C8B-B14F-4D97-AF65-F5344CB8AC3E}">
+        <p14:creationId xmlns:p14="http://schemas.microsoft.com/office/powerpoint/2010/main" val="3376010731"/>
+      </p:ext>
+    </p:extLst>
   </p:cSld>
   <p:clrMapOvr>
     <a:masterClrMapping/>
@@ -2652,7 +2721,7 @@
           <a:p>
             <a:fld id="{D8FB3228-FF70-4911-9C29-93CE4A8BFC98}" type="datetimeFigureOut">
               <a:rPr lang="en-US" smtClean="0"/>
-              <a:t>8/26/2019</a:t>
+              <a:t>8/30/2019</a:t>
             </a:fld>
             <a:endParaRPr lang="en-US"/>
           </a:p>
@@ -2737,6 +2806,11 @@
         </p:txBody>
       </p:sp>
     </p:spTree>
+    <p:extLst>
+      <p:ext uri="{BB962C8B-B14F-4D97-AF65-F5344CB8AC3E}">
+        <p14:creationId xmlns:p14="http://schemas.microsoft.com/office/powerpoint/2010/main" val="3210424404"/>
+      </p:ext>
+    </p:extLst>
   </p:cSld>
   <p:clrMap bg1="lt1" tx1="dk1" bg2="lt2" tx2="dk2" accent1="accent1" accent2="accent2" accent3="accent3" accent4="accent4" accent5="accent5" accent6="accent6" hlink="hlink" folHlink="folHlink"/>
   <p:sldLayoutIdLst>
@@ -3123,22 +3197,15 @@
             </a:r>
           </a:p>
           <a:p>
-            <a:pPr marL="914400" lvl="1" indent="-457200">
-              <a:buAutoNum type="arabicPeriod"/>
-            </a:pPr>
-            <a:r>
-              <a:rPr lang="en-US" sz="3000" dirty="0">
+            <a:pPr lvl="1"/>
+            <a:r>
+              <a:rPr lang="zh-CN" altLang="en-US" sz="3000" dirty="0">
                 <a:solidFill>
                   <a:srgbClr val="0070C0"/>
                 </a:solidFill>
               </a:rPr>
-              <a:t>Sign In by your Name</a:t>
-            </a:r>
-          </a:p>
-          <a:p>
-            <a:pPr marL="914400" lvl="1" indent="-457200">
-              <a:buAutoNum type="arabicPeriod"/>
-            </a:pPr>
+              <a:t>**</a:t>
+            </a:r>
             <a:r>
               <a:rPr lang="en-US" sz="3000" dirty="0">
                 <a:solidFill>
@@ -3156,18 +3223,23 @@
                   <a:srgbClr val="0070C0"/>
                 </a:solidFill>
               </a:rPr>
-              <a:t>** Sit at any of the seats and the table you were assigned.</a:t>
-            </a:r>
-          </a:p>
-          <a:p>
-            <a:pPr lvl="1"/>
+              <a:t>**</a:t>
+            </a:r>
+            <a:r>
+              <a:rPr lang="zh-CN" altLang="en-US" sz="3000" dirty="0">
+                <a:solidFill>
+                  <a:srgbClr val="0070C0"/>
+                </a:solidFill>
+              </a:rPr>
+              <a:t>*</a:t>
+            </a:r>
             <a:r>
               <a:rPr lang="en-US" sz="3000" dirty="0">
                 <a:solidFill>
                   <a:srgbClr val="0070C0"/>
                 </a:solidFill>
               </a:rPr>
-              <a:t>*** Get a handout – next to the sign in sheet.</a:t>
+              <a:t> Sit at any of the seats and the table you were assigned.</a:t>
             </a:r>
           </a:p>
           <a:p>
@@ -3181,6 +3253,252 @@
         </p:txBody>
       </p:sp>
     </p:spTree>
+    <p:extLst>
+      <p:ext uri="{BB962C8B-B14F-4D97-AF65-F5344CB8AC3E}">
+        <p14:creationId xmlns:p14="http://schemas.microsoft.com/office/powerpoint/2010/main" val="4135515358"/>
+      </p:ext>
+    </p:extLst>
+  </p:cSld>
+  <p:clrMapOvr>
+    <a:masterClrMapping/>
+  </p:clrMapOvr>
+</p:sld>
+</file>
+
+<file path=ppt/slides/slide10.xml><?xml version="1.0" encoding="utf-8"?>
+<p:sld xmlns:a="http://schemas.openxmlformats.org/drawingml/2006/main" xmlns:r="http://schemas.openxmlformats.org/officeDocument/2006/relationships" xmlns:p="http://schemas.openxmlformats.org/presentationml/2006/main">
+  <p:cSld>
+    <p:spTree>
+      <p:nvGrpSpPr>
+        <p:cNvPr id="1" name=""/>
+        <p:cNvGrpSpPr/>
+        <p:nvPr/>
+      </p:nvGrpSpPr>
+      <p:grpSpPr>
+        <a:xfrm>
+          <a:off x="0" y="0"/>
+          <a:ext cx="0" cy="0"/>
+          <a:chOff x="0" y="0"/>
+          <a:chExt cx="0" cy="0"/>
+        </a:xfrm>
+      </p:grpSpPr>
+      <p:sp>
+        <p:nvSpPr>
+          <p:cNvPr id="3" name="Rectangle 2"/>
+          <p:cNvSpPr/>
+          <p:nvPr/>
+        </p:nvSpPr>
+        <p:spPr>
+          <a:xfrm>
+            <a:off x="2677294" y="283851"/>
+            <a:ext cx="4185285" cy="368300"/>
+          </a:xfrm>
+          <a:prstGeom prst="rect">
+            <a:avLst/>
+          </a:prstGeom>
+        </p:spPr>
+        <p:txBody>
+          <a:bodyPr wrap="none">
+            <a:spAutoFit/>
+          </a:bodyPr>
+          <a:lstStyle/>
+          <a:p>
+            <a:r>
+              <a:rPr lang="en-US" dirty="0">
+                <a:solidFill>
+                  <a:srgbClr val="002060"/>
+                </a:solidFill>
+              </a:rPr>
+              <a:t>How much does students spent on clothing</a:t>
+            </a:r>
+          </a:p>
+        </p:txBody>
+      </p:sp>
+      <p:pic>
+        <p:nvPicPr>
+          <p:cNvPr id="2" name="图片 1"/>
+          <p:cNvPicPr>
+            <a:picLocks noChangeAspect="1"/>
+          </p:cNvPicPr>
+          <p:nvPr/>
+        </p:nvPicPr>
+        <p:blipFill>
+          <a:blip r:embed="rId2"/>
+          <a:stretch>
+            <a:fillRect/>
+          </a:stretch>
+        </p:blipFill>
+        <p:spPr>
+          <a:xfrm>
+            <a:off x="1424940" y="786130"/>
+            <a:ext cx="8521065" cy="3938905"/>
+          </a:xfrm>
+          <a:prstGeom prst="rect">
+            <a:avLst/>
+          </a:prstGeom>
+        </p:spPr>
+      </p:pic>
+      <p:pic>
+        <p:nvPicPr>
+          <p:cNvPr id="5" name="图片 4"/>
+          <p:cNvPicPr>
+            <a:picLocks noChangeAspect="1"/>
+          </p:cNvPicPr>
+          <p:nvPr/>
+        </p:nvPicPr>
+        <p:blipFill>
+          <a:blip r:embed="rId3"/>
+          <a:stretch>
+            <a:fillRect/>
+          </a:stretch>
+        </p:blipFill>
+        <p:spPr>
+          <a:xfrm>
+            <a:off x="3088640" y="5168900"/>
+            <a:ext cx="4469765" cy="1478280"/>
+          </a:xfrm>
+          <a:prstGeom prst="rect">
+            <a:avLst/>
+          </a:prstGeom>
+        </p:spPr>
+      </p:pic>
+    </p:spTree>
+  </p:cSld>
+  <p:clrMapOvr>
+    <a:masterClrMapping/>
+  </p:clrMapOvr>
+</p:sld>
+</file>
+
+<file path=ppt/slides/slide11.xml><?xml version="1.0" encoding="utf-8"?>
+<p:sld xmlns:a="http://schemas.openxmlformats.org/drawingml/2006/main" xmlns:r="http://schemas.openxmlformats.org/officeDocument/2006/relationships" xmlns:p="http://schemas.openxmlformats.org/presentationml/2006/main">
+  <p:cSld>
+    <p:spTree>
+      <p:nvGrpSpPr>
+        <p:cNvPr id="1" name=""/>
+        <p:cNvGrpSpPr/>
+        <p:nvPr/>
+      </p:nvGrpSpPr>
+      <p:grpSpPr>
+        <a:xfrm>
+          <a:off x="0" y="0"/>
+          <a:ext cx="0" cy="0"/>
+          <a:chOff x="0" y="0"/>
+          <a:chExt cx="0" cy="0"/>
+        </a:xfrm>
+      </p:grpSpPr>
+      <p:sp>
+        <p:nvSpPr>
+          <p:cNvPr id="2" name="Title 1"/>
+          <p:cNvSpPr>
+            <a:spLocks noGrp="1"/>
+          </p:cNvSpPr>
+          <p:nvPr>
+            <p:ph type="title"/>
+          </p:nvPr>
+        </p:nvSpPr>
+        <p:spPr>
+          <a:xfrm>
+            <a:off x="233265" y="74645"/>
+            <a:ext cx="11251163" cy="654990"/>
+          </a:xfrm>
+        </p:spPr>
+        <p:txBody>
+          <a:bodyPr>
+            <a:normAutofit fontScale="90000"/>
+          </a:bodyPr>
+          <a:lstStyle/>
+          <a:p>
+            <a:r>
+              <a:rPr lang="en-US" dirty="0"/>
+              <a:t>Before you Leave</a:t>
+            </a:r>
+          </a:p>
+        </p:txBody>
+      </p:sp>
+      <p:sp>
+        <p:nvSpPr>
+          <p:cNvPr id="3" name="Content Placeholder 2"/>
+          <p:cNvSpPr>
+            <a:spLocks noGrp="1"/>
+          </p:cNvSpPr>
+          <p:nvPr>
+            <p:ph idx="1"/>
+          </p:nvPr>
+        </p:nvSpPr>
+        <p:spPr>
+          <a:xfrm>
+            <a:off x="233265" y="729635"/>
+            <a:ext cx="11120535" cy="5447328"/>
+          </a:xfrm>
+        </p:spPr>
+        <p:txBody>
+          <a:bodyPr/>
+          <a:lstStyle/>
+          <a:p>
+            <a:r>
+              <a:rPr lang="en-US" dirty="0"/>
+              <a:t>Turn in pages 13 and 14 from the lab book and the Word document you created with  graphs, numerical summaries, and observations.  </a:t>
+            </a:r>
+            <a:r>
+              <a:rPr lang="en-US" i="1" dirty="0"/>
+              <a:t>Everyone needs to turn in their own work</a:t>
+            </a:r>
+            <a:r>
+              <a:rPr lang="en-US" dirty="0"/>
+              <a:t>.</a:t>
+            </a:r>
+          </a:p>
+          <a:p>
+            <a:pPr lvl="1"/>
+            <a:r>
+              <a:rPr lang="en-US" dirty="0"/>
+              <a:t>Make sure to fill in Table 2.2.  </a:t>
+            </a:r>
+          </a:p>
+          <a:p>
+            <a:pPr lvl="1"/>
+            <a:r>
+              <a:rPr lang="en-US" dirty="0"/>
+              <a:t>Reference table 2.1 on page 10 for what graphs and numerical summaries are appropriate.</a:t>
+            </a:r>
+          </a:p>
+          <a:p>
+            <a:pPr lvl="1"/>
+            <a:r>
+              <a:rPr lang="en-US" dirty="0"/>
+              <a:t>For Numerical Summaries look under Summary Stats and Tables.  </a:t>
+            </a:r>
+          </a:p>
+          <a:p>
+            <a:pPr lvl="1"/>
+            <a:r>
+              <a:rPr lang="en-US" dirty="0"/>
+              <a:t>When working with Two Variables (#3 and #4) make sure your graphs have all information on one graph (use the Group by option). </a:t>
+            </a:r>
+          </a:p>
+          <a:p>
+            <a:r>
+              <a:rPr lang="en-US" b="1" dirty="0"/>
+              <a:t>Register for </a:t>
+            </a:r>
+            <a:r>
+              <a:rPr lang="en-US" b="1" dirty="0" err="1"/>
+              <a:t>MyStatLab</a:t>
+            </a:r>
+            <a:r>
+              <a:rPr lang="en-US" b="1" dirty="0"/>
+              <a:t> if you haven’t already.  If you haven’t already done so make sure you do Pre-Lab Introduction and Pre-Lab 2 as they are due now (Before you leave lab today).</a:t>
+            </a:r>
+          </a:p>
+        </p:txBody>
+      </p:sp>
+    </p:spTree>
+    <p:extLst>
+      <p:ext uri="{BB962C8B-B14F-4D97-AF65-F5344CB8AC3E}">
+        <p14:creationId xmlns:p14="http://schemas.microsoft.com/office/powerpoint/2010/main" val="2240038431"/>
+      </p:ext>
+    </p:extLst>
   </p:cSld>
   <p:clrMapOvr>
     <a:masterClrMapping/>
@@ -3215,6 +3533,374 @@
             <p:ph type="title"/>
           </p:nvPr>
         </p:nvSpPr>
+        <p:spPr>
+          <a:xfrm>
+            <a:off x="139959" y="167951"/>
+            <a:ext cx="11213841" cy="906917"/>
+          </a:xfrm>
+        </p:spPr>
+        <p:txBody>
+          <a:bodyPr/>
+          <a:lstStyle/>
+          <a:p>
+            <a:r>
+              <a:rPr lang="en-US" dirty="0"/>
+              <a:t>Introduction to Labs</a:t>
+            </a:r>
+          </a:p>
+        </p:txBody>
+      </p:sp>
+      <p:sp>
+        <p:nvSpPr>
+          <p:cNvPr id="3" name="Content Placeholder 2"/>
+          <p:cNvSpPr>
+            <a:spLocks noGrp="1"/>
+          </p:cNvSpPr>
+          <p:nvPr>
+            <p:ph idx="1"/>
+          </p:nvPr>
+        </p:nvSpPr>
+        <p:spPr>
+          <a:xfrm>
+            <a:off x="139959" y="830424"/>
+            <a:ext cx="11896531" cy="5887617"/>
+          </a:xfrm>
+        </p:spPr>
+        <p:txBody>
+          <a:bodyPr>
+            <a:normAutofit fontScale="92500" lnSpcReduction="20000"/>
+          </a:bodyPr>
+          <a:lstStyle/>
+          <a:p>
+            <a:r>
+              <a:rPr lang="en-US" dirty="0"/>
+              <a:t>Lab Instructor:                  </a:t>
+            </a:r>
+          </a:p>
+          <a:p>
+            <a:r>
+              <a:rPr lang="en-US" dirty="0"/>
+              <a:t>Pre-Labs:</a:t>
+            </a:r>
+          </a:p>
+          <a:p>
+            <a:pPr lvl="1"/>
+            <a:r>
+              <a:rPr lang="en-US" dirty="0"/>
+              <a:t>Assignments that must be done before the lab starts. </a:t>
+            </a:r>
+          </a:p>
+          <a:p>
+            <a:pPr lvl="1"/>
+            <a:r>
+              <a:rPr lang="en-US" dirty="0"/>
+              <a:t>Found on </a:t>
+            </a:r>
+            <a:r>
+              <a:rPr lang="en-US" dirty="0" err="1"/>
+              <a:t>MyStatLab</a:t>
+            </a:r>
+            <a:r>
+              <a:rPr lang="en-US" dirty="0"/>
+              <a:t> under the Homework tab.</a:t>
+            </a:r>
+          </a:p>
+          <a:p>
+            <a:pPr lvl="1"/>
+            <a:r>
+              <a:rPr lang="en-US" dirty="0"/>
+              <a:t>Lowest 2 are dropped.</a:t>
+            </a:r>
+          </a:p>
+          <a:p>
+            <a:pPr lvl="1"/>
+            <a:r>
+              <a:rPr lang="en-US" dirty="0"/>
+              <a:t>Only open a day before the labs.</a:t>
+            </a:r>
+          </a:p>
+          <a:p>
+            <a:r>
+              <a:rPr lang="en-US" dirty="0"/>
+              <a:t>SAWA (Short Answer Writing Assignment):</a:t>
+            </a:r>
+          </a:p>
+          <a:p>
+            <a:pPr lvl="1"/>
+            <a:r>
+              <a:rPr lang="en-US" dirty="0"/>
+              <a:t>Questions from the lab book.</a:t>
+            </a:r>
+          </a:p>
+          <a:p>
+            <a:pPr lvl="1"/>
+            <a:r>
+              <a:rPr lang="en-US" dirty="0"/>
+              <a:t>Everyone must have their own lab book – penalty if missing lab book more than once.</a:t>
+            </a:r>
+          </a:p>
+          <a:p>
+            <a:pPr lvl="1"/>
+            <a:r>
+              <a:rPr lang="en-US" dirty="0"/>
+              <a:t>Everyone must turn in their own SAWA (even if using group answers).   </a:t>
+            </a:r>
+          </a:p>
+          <a:p>
+            <a:pPr lvl="1"/>
+            <a:r>
+              <a:rPr lang="en-US" dirty="0"/>
+              <a:t>Graded by lab instructor and returned at the next lab.  </a:t>
+            </a:r>
+          </a:p>
+          <a:p>
+            <a:pPr lvl="1"/>
+            <a:r>
+              <a:rPr lang="en-US" dirty="0"/>
+              <a:t>Grades found on </a:t>
+            </a:r>
+            <a:r>
+              <a:rPr lang="en-US" dirty="0" err="1"/>
+              <a:t>MyStatLab</a:t>
+            </a:r>
+            <a:r>
+              <a:rPr lang="en-US" dirty="0"/>
+              <a:t>.  (If grade on </a:t>
+            </a:r>
+            <a:r>
+              <a:rPr lang="en-US" dirty="0" err="1"/>
+              <a:t>MyStatLab</a:t>
+            </a:r>
+            <a:r>
+              <a:rPr lang="en-US" dirty="0"/>
+              <a:t> is not correct then email me and/or bring back your returned graded work).  </a:t>
+            </a:r>
+          </a:p>
+          <a:p>
+            <a:r>
+              <a:rPr lang="en-US" dirty="0"/>
+              <a:t>EWA (Extended Writing Assignment):</a:t>
+            </a:r>
+          </a:p>
+          <a:p>
+            <a:pPr lvl="1"/>
+            <a:r>
+              <a:rPr lang="en-US" dirty="0"/>
+              <a:t>Paper to be written on a particular lab.</a:t>
+            </a:r>
+          </a:p>
+          <a:p>
+            <a:pPr lvl="1"/>
+            <a:r>
+              <a:rPr lang="en-US" dirty="0"/>
+              <a:t>You may do it for Lab 4 or Lab 8.  Recommended for Lab 4.  If you do poorly on the one for Lab 4 you may do Lab 8 as well and your higher grade will be kept.</a:t>
+            </a:r>
+          </a:p>
+          <a:p>
+            <a:pPr lvl="1"/>
+            <a:r>
+              <a:rPr lang="en-US" dirty="0"/>
+              <a:t>More when we get closer to these labs.   </a:t>
+            </a:r>
+          </a:p>
+          <a:p>
+            <a:pPr lvl="1"/>
+            <a:endParaRPr lang="en-US" dirty="0"/>
+          </a:p>
+        </p:txBody>
+      </p:sp>
+    </p:spTree>
+    <p:extLst>
+      <p:ext uri="{BB962C8B-B14F-4D97-AF65-F5344CB8AC3E}">
+        <p14:creationId xmlns:p14="http://schemas.microsoft.com/office/powerpoint/2010/main" val="2676640128"/>
+      </p:ext>
+    </p:extLst>
+  </p:cSld>
+  <p:clrMapOvr>
+    <a:masterClrMapping/>
+  </p:clrMapOvr>
+</p:sld>
+</file>
+
+<file path=ppt/slides/slide3.xml><?xml version="1.0" encoding="utf-8"?>
+<p:sld xmlns:a="http://schemas.openxmlformats.org/drawingml/2006/main" xmlns:r="http://schemas.openxmlformats.org/officeDocument/2006/relationships" xmlns:p="http://schemas.openxmlformats.org/presentationml/2006/main">
+  <p:cSld>
+    <p:spTree>
+      <p:nvGrpSpPr>
+        <p:cNvPr id="1" name=""/>
+        <p:cNvGrpSpPr/>
+        <p:nvPr/>
+      </p:nvGrpSpPr>
+      <p:grpSpPr>
+        <a:xfrm>
+          <a:off x="0" y="0"/>
+          <a:ext cx="0" cy="0"/>
+          <a:chOff x="0" y="0"/>
+          <a:chExt cx="0" cy="0"/>
+        </a:xfrm>
+      </p:grpSpPr>
+      <p:sp>
+        <p:nvSpPr>
+          <p:cNvPr id="2" name="Title 1"/>
+          <p:cNvSpPr>
+            <a:spLocks noGrp="1"/>
+          </p:cNvSpPr>
+          <p:nvPr>
+            <p:ph type="title"/>
+          </p:nvPr>
+        </p:nvSpPr>
+        <p:spPr>
+          <a:xfrm>
+            <a:off x="139959" y="167951"/>
+            <a:ext cx="11213841" cy="906917"/>
+          </a:xfrm>
+        </p:spPr>
+        <p:txBody>
+          <a:bodyPr/>
+          <a:lstStyle/>
+          <a:p>
+            <a:r>
+              <a:rPr lang="en-US" dirty="0"/>
+              <a:t>Introduction to Labs</a:t>
+            </a:r>
+          </a:p>
+        </p:txBody>
+      </p:sp>
+      <p:sp>
+        <p:nvSpPr>
+          <p:cNvPr id="3" name="Content Placeholder 2"/>
+          <p:cNvSpPr>
+            <a:spLocks noGrp="1"/>
+          </p:cNvSpPr>
+          <p:nvPr>
+            <p:ph idx="1"/>
+          </p:nvPr>
+        </p:nvSpPr>
+        <p:spPr>
+          <a:xfrm>
+            <a:off x="139959" y="1074868"/>
+            <a:ext cx="11213841" cy="5102095"/>
+          </a:xfrm>
+        </p:spPr>
+        <p:txBody>
+          <a:bodyPr>
+            <a:normAutofit/>
+          </a:bodyPr>
+          <a:lstStyle/>
+          <a:p>
+            <a:r>
+              <a:rPr lang="en-US" dirty="0"/>
+              <a:t>Lab Groups are Random:</a:t>
+            </a:r>
+          </a:p>
+          <a:p>
+            <a:pPr lvl="1"/>
+            <a:r>
+              <a:rPr lang="en-US" dirty="0"/>
+              <a:t>You will find your table assignment on the sign in sheet.</a:t>
+            </a:r>
+          </a:p>
+          <a:p>
+            <a:r>
+              <a:rPr lang="en-US" dirty="0"/>
+              <a:t>Basic Flow of Labs:</a:t>
+            </a:r>
+          </a:p>
+          <a:p>
+            <a:pPr lvl="1"/>
+            <a:r>
+              <a:rPr lang="en-US" dirty="0"/>
+              <a:t>Data Collection</a:t>
+            </a:r>
+          </a:p>
+          <a:p>
+            <a:pPr lvl="1"/>
+            <a:r>
+              <a:rPr lang="en-US" dirty="0"/>
+              <a:t>Data Analysis</a:t>
+            </a:r>
+          </a:p>
+          <a:p>
+            <a:pPr lvl="1"/>
+            <a:r>
+              <a:rPr lang="en-US" dirty="0"/>
+              <a:t>Answer Questions from Book (SAWA)</a:t>
+            </a:r>
+          </a:p>
+          <a:p>
+            <a:pPr lvl="2"/>
+            <a:r>
+              <a:rPr lang="en-US" dirty="0"/>
+              <a:t>Work with your lab groups to answer the questions.</a:t>
+            </a:r>
+          </a:p>
+          <a:p>
+            <a:pPr lvl="2"/>
+            <a:r>
+              <a:rPr lang="en-US" dirty="0"/>
+              <a:t>Make sure you answer the questions completely.</a:t>
+            </a:r>
+          </a:p>
+          <a:p>
+            <a:pPr lvl="2"/>
+            <a:r>
+              <a:rPr lang="en-US" dirty="0"/>
+              <a:t>Ask the lab instructor for help if you have a question (you want a high lab grade).</a:t>
+            </a:r>
+          </a:p>
+          <a:p>
+            <a:pPr lvl="3"/>
+            <a:r>
+              <a:rPr lang="en-US" dirty="0"/>
+              <a:t>Note this is not the same thing as asking the lab instructor for an answer.  </a:t>
+            </a:r>
+          </a:p>
+          <a:p>
+            <a:pPr lvl="3"/>
+            <a:endParaRPr lang="en-US" dirty="0"/>
+          </a:p>
+        </p:txBody>
+      </p:sp>
+    </p:spTree>
+    <p:extLst>
+      <p:ext uri="{BB962C8B-B14F-4D97-AF65-F5344CB8AC3E}">
+        <p14:creationId xmlns:p14="http://schemas.microsoft.com/office/powerpoint/2010/main" val="943275433"/>
+      </p:ext>
+    </p:extLst>
+  </p:cSld>
+  <p:clrMapOvr>
+    <a:masterClrMapping/>
+  </p:clrMapOvr>
+</p:sld>
+</file>
+
+<file path=ppt/slides/slide4.xml><?xml version="1.0" encoding="utf-8"?>
+<p:sld xmlns:a="http://schemas.openxmlformats.org/drawingml/2006/main" xmlns:r="http://schemas.openxmlformats.org/officeDocument/2006/relationships" xmlns:p="http://schemas.openxmlformats.org/presentationml/2006/main">
+  <p:cSld>
+    <p:spTree>
+      <p:nvGrpSpPr>
+        <p:cNvPr id="1" name=""/>
+        <p:cNvGrpSpPr/>
+        <p:nvPr/>
+      </p:nvGrpSpPr>
+      <p:grpSpPr>
+        <a:xfrm>
+          <a:off x="0" y="0"/>
+          <a:ext cx="0" cy="0"/>
+          <a:chOff x="0" y="0"/>
+          <a:chExt cx="0" cy="0"/>
+        </a:xfrm>
+      </p:grpSpPr>
+      <p:sp>
+        <p:nvSpPr>
+          <p:cNvPr id="2" name="Title 1"/>
+          <p:cNvSpPr>
+            <a:spLocks noGrp="1"/>
+          </p:cNvSpPr>
+          <p:nvPr>
+            <p:ph type="title"/>
+          </p:nvPr>
+        </p:nvSpPr>
         <p:spPr/>
         <p:txBody>
           <a:bodyPr/>
@@ -3308,6 +3994,747 @@
           </a:p>
         </p:txBody>
       </p:sp>
+    </p:spTree>
+    <p:extLst>
+      <p:ext uri="{BB962C8B-B14F-4D97-AF65-F5344CB8AC3E}">
+        <p14:creationId xmlns:p14="http://schemas.microsoft.com/office/powerpoint/2010/main" val="2724528154"/>
+      </p:ext>
+    </p:extLst>
+  </p:cSld>
+  <p:clrMapOvr>
+    <a:masterClrMapping/>
+  </p:clrMapOvr>
+</p:sld>
+</file>
+
+<file path=ppt/slides/slide5.xml><?xml version="1.0" encoding="utf-8"?>
+<p:sld xmlns:a="http://schemas.openxmlformats.org/drawingml/2006/main" xmlns:r="http://schemas.openxmlformats.org/officeDocument/2006/relationships" xmlns:p="http://schemas.openxmlformats.org/presentationml/2006/main">
+  <p:cSld>
+    <p:spTree>
+      <p:nvGrpSpPr>
+        <p:cNvPr id="1" name=""/>
+        <p:cNvGrpSpPr/>
+        <p:nvPr/>
+      </p:nvGrpSpPr>
+      <p:grpSpPr>
+        <a:xfrm>
+          <a:off x="0" y="0"/>
+          <a:ext cx="0" cy="0"/>
+          <a:chOff x="0" y="0"/>
+          <a:chExt cx="0" cy="0"/>
+        </a:xfrm>
+      </p:grpSpPr>
+      <p:sp>
+        <p:nvSpPr>
+          <p:cNvPr id="2" name="Title 1"/>
+          <p:cNvSpPr>
+            <a:spLocks noGrp="1"/>
+          </p:cNvSpPr>
+          <p:nvPr>
+            <p:ph type="title"/>
+          </p:nvPr>
+        </p:nvSpPr>
+        <p:spPr>
+          <a:xfrm>
+            <a:off x="149290" y="0"/>
+            <a:ext cx="11204510" cy="944239"/>
+          </a:xfrm>
+        </p:spPr>
+        <p:txBody>
+          <a:bodyPr/>
+          <a:lstStyle/>
+          <a:p>
+            <a:r>
+              <a:rPr lang="en-US" dirty="0"/>
+              <a:t>Data Collection for Lab 2</a:t>
+            </a:r>
+          </a:p>
+        </p:txBody>
+      </p:sp>
+      <p:sp>
+        <p:nvSpPr>
+          <p:cNvPr id="3" name="Content Placeholder 2"/>
+          <p:cNvSpPr>
+            <a:spLocks noGrp="1"/>
+          </p:cNvSpPr>
+          <p:nvPr>
+            <p:ph idx="1"/>
+          </p:nvPr>
+        </p:nvSpPr>
+        <p:spPr>
+          <a:xfrm>
+            <a:off x="149290" y="944238"/>
+            <a:ext cx="4187799" cy="5764471"/>
+          </a:xfrm>
+        </p:spPr>
+        <p:txBody>
+          <a:bodyPr/>
+          <a:lstStyle/>
+          <a:p>
+            <a:r>
+              <a:rPr lang="en-US" dirty="0"/>
+              <a:t>All students enrolled in STAT 201 were asked to complete participate in a survey (the one you were emailed the link to and the one that was found in the Pre-Lab Introduction assignment).  </a:t>
+            </a:r>
+          </a:p>
+        </p:txBody>
+      </p:sp>
+      <p:pic>
+        <p:nvPicPr>
+          <p:cNvPr id="4" name="Picture 3"/>
+          <p:cNvPicPr>
+            <a:picLocks noChangeAspect="1"/>
+          </p:cNvPicPr>
+          <p:nvPr/>
+        </p:nvPicPr>
+        <p:blipFill>
+          <a:blip r:embed="rId2"/>
+          <a:stretch>
+            <a:fillRect/>
+          </a:stretch>
+        </p:blipFill>
+        <p:spPr>
+          <a:xfrm>
+            <a:off x="4337089" y="836013"/>
+            <a:ext cx="7854911" cy="4603734"/>
+          </a:xfrm>
+          <a:prstGeom prst="rect">
+            <a:avLst/>
+          </a:prstGeom>
+        </p:spPr>
+      </p:pic>
+    </p:spTree>
+    <p:extLst>
+      <p:ext uri="{BB962C8B-B14F-4D97-AF65-F5344CB8AC3E}">
+        <p14:creationId xmlns:p14="http://schemas.microsoft.com/office/powerpoint/2010/main" val="1164477924"/>
+      </p:ext>
+    </p:extLst>
+  </p:cSld>
+  <p:clrMapOvr>
+    <a:masterClrMapping/>
+  </p:clrMapOvr>
+</p:sld>
+</file>
+
+<file path=ppt/slides/slide6.xml><?xml version="1.0" encoding="utf-8"?>
+<p:sld xmlns:a="http://schemas.openxmlformats.org/drawingml/2006/main" xmlns:r="http://schemas.openxmlformats.org/officeDocument/2006/relationships" xmlns:p="http://schemas.openxmlformats.org/presentationml/2006/main">
+  <p:cSld>
+    <p:spTree>
+      <p:nvGrpSpPr>
+        <p:cNvPr id="1" name=""/>
+        <p:cNvGrpSpPr/>
+        <p:nvPr/>
+      </p:nvGrpSpPr>
+      <p:grpSpPr>
+        <a:xfrm>
+          <a:off x="0" y="0"/>
+          <a:ext cx="0" cy="0"/>
+          <a:chOff x="0" y="0"/>
+          <a:chExt cx="0" cy="0"/>
+        </a:xfrm>
+      </p:grpSpPr>
+      <p:sp>
+        <p:nvSpPr>
+          <p:cNvPr id="2" name="Title 1"/>
+          <p:cNvSpPr>
+            <a:spLocks noGrp="1"/>
+          </p:cNvSpPr>
+          <p:nvPr>
+            <p:ph type="title"/>
+          </p:nvPr>
+        </p:nvSpPr>
+        <p:spPr>
+          <a:xfrm>
+            <a:off x="111967" y="111967"/>
+            <a:ext cx="11241833" cy="860264"/>
+          </a:xfrm>
+        </p:spPr>
+        <p:txBody>
+          <a:bodyPr/>
+          <a:lstStyle/>
+          <a:p>
+            <a:r>
+              <a:rPr lang="en-US" dirty="0"/>
+              <a:t>Accessing the Survey Data for Analysis</a:t>
+            </a:r>
+          </a:p>
+        </p:txBody>
+      </p:sp>
+      <p:sp>
+        <p:nvSpPr>
+          <p:cNvPr id="3" name="Content Placeholder 2"/>
+          <p:cNvSpPr>
+            <a:spLocks noGrp="1"/>
+          </p:cNvSpPr>
+          <p:nvPr>
+            <p:ph idx="1"/>
+          </p:nvPr>
+        </p:nvSpPr>
+        <p:spPr>
+          <a:xfrm>
+            <a:off x="0" y="839755"/>
+            <a:ext cx="12008497" cy="5878286"/>
+          </a:xfrm>
+        </p:spPr>
+        <p:txBody>
+          <a:bodyPr>
+            <a:normAutofit fontScale="92500" lnSpcReduction="20000"/>
+          </a:bodyPr>
+          <a:lstStyle/>
+          <a:p>
+            <a:r>
+              <a:rPr lang="en-US" dirty="0"/>
+              <a:t>Logon to a computer:</a:t>
+            </a:r>
+          </a:p>
+          <a:p>
+            <a:pPr lvl="1"/>
+            <a:r>
+              <a:rPr lang="en-US" dirty="0"/>
+              <a:t>Work in pairs on the computers in the room (must work with someone from your table).  </a:t>
+            </a:r>
+          </a:p>
+          <a:p>
+            <a:pPr lvl="1"/>
+            <a:r>
+              <a:rPr lang="en-US" dirty="0"/>
+              <a:t>You may use a laptop; however, you will have to print so at some point you are going to have to get on a computer in the room.  </a:t>
+            </a:r>
+          </a:p>
+          <a:p>
+            <a:r>
+              <a:rPr lang="en-US" dirty="0"/>
+              <a:t>Log onto StatCrunch.com:</a:t>
+            </a:r>
+          </a:p>
+          <a:p>
+            <a:pPr lvl="1"/>
+            <a:r>
+              <a:rPr lang="en-US" dirty="0">
+                <a:hlinkClick r:id="rId2"/>
+              </a:rPr>
+              <a:t>www.statcrunch.com</a:t>
+            </a:r>
+            <a:endParaRPr lang="en-US" dirty="0"/>
+          </a:p>
+          <a:p>
+            <a:pPr lvl="1"/>
+            <a:r>
+              <a:rPr lang="en-US" dirty="0"/>
+              <a:t>Sign in using your </a:t>
+            </a:r>
+            <a:r>
+              <a:rPr lang="en-US" dirty="0" err="1"/>
+              <a:t>MyStatLab</a:t>
+            </a:r>
+            <a:r>
+              <a:rPr lang="en-US" dirty="0"/>
+              <a:t> ID and password.  </a:t>
+            </a:r>
+          </a:p>
+          <a:p>
+            <a:r>
+              <a:rPr lang="en-US" dirty="0"/>
+              <a:t>Navigate to the survey dataset created:</a:t>
+            </a:r>
+          </a:p>
+          <a:p>
+            <a:pPr lvl="1"/>
+            <a:r>
+              <a:rPr lang="en-US" dirty="0"/>
+              <a:t>Click Explore</a:t>
+            </a:r>
+          </a:p>
+          <a:p>
+            <a:pPr lvl="1"/>
+            <a:r>
+              <a:rPr lang="en-US" dirty="0"/>
+              <a:t>Select Data</a:t>
+            </a:r>
+          </a:p>
+          <a:p>
+            <a:pPr lvl="1"/>
+            <a:r>
+              <a:rPr lang="en-US" dirty="0"/>
+              <a:t>Type in Name of Dataset in Browse all Search field on left side of screen (type it carefully):</a:t>
+            </a:r>
+          </a:p>
+          <a:p>
+            <a:pPr lvl="2"/>
+            <a:r>
+              <a:rPr lang="en-US" altLang="zh-CN" sz="2800" dirty="0">
+                <a:solidFill>
+                  <a:srgbClr val="FF0000"/>
+                </a:solidFill>
+              </a:rPr>
+              <a:t>Response to STAT 201 Fall 2019 Survey</a:t>
+            </a:r>
+            <a:endParaRPr lang="en-US" sz="2500" b="1" dirty="0">
+              <a:solidFill>
+                <a:srgbClr val="FF0000"/>
+              </a:solidFill>
+            </a:endParaRPr>
+          </a:p>
+          <a:p>
+            <a:pPr lvl="1"/>
+            <a:r>
+              <a:rPr lang="en-US" dirty="0"/>
+              <a:t>Note if you type it differently at all it will not find the dataset.   You may search for a smaller part </a:t>
+            </a:r>
+            <a:r>
+              <a:rPr lang="en-US" b="1" dirty="0"/>
+              <a:t>Spring 2019 STAT 201</a:t>
+            </a:r>
+            <a:r>
+              <a:rPr lang="en-US" dirty="0"/>
+              <a:t> and a few options may appear.  </a:t>
+            </a:r>
+          </a:p>
+          <a:p>
+            <a:pPr lvl="1"/>
+            <a:r>
+              <a:rPr lang="en-US" dirty="0"/>
+              <a:t>Select the correct dataset ( We are using an older survey responses due to the few responses for this semester).  When you click on the correct file a spreadsheet should open that contains many rows with responses.</a:t>
+            </a:r>
+          </a:p>
+          <a:p>
+            <a:r>
+              <a:rPr lang="en-US" dirty="0"/>
+              <a:t>Start Answering the questions on pages 13 and 14 of the lab book.</a:t>
+            </a:r>
+          </a:p>
+          <a:p>
+            <a:pPr lvl="1"/>
+            <a:endParaRPr lang="en-US" dirty="0"/>
+          </a:p>
+          <a:p>
+            <a:endParaRPr lang="en-US" dirty="0"/>
+          </a:p>
+        </p:txBody>
+      </p:sp>
+    </p:spTree>
+    <p:extLst>
+      <p:ext uri="{BB962C8B-B14F-4D97-AF65-F5344CB8AC3E}">
+        <p14:creationId xmlns:p14="http://schemas.microsoft.com/office/powerpoint/2010/main" val="1739818610"/>
+      </p:ext>
+    </p:extLst>
+  </p:cSld>
+  <p:clrMapOvr>
+    <a:masterClrMapping/>
+  </p:clrMapOvr>
+</p:sld>
+</file>
+
+<file path=ppt/slides/slide7.xml><?xml version="1.0" encoding="utf-8"?>
+<p:sld xmlns:a="http://schemas.openxmlformats.org/drawingml/2006/main" xmlns:r="http://schemas.openxmlformats.org/officeDocument/2006/relationships" xmlns:p="http://schemas.openxmlformats.org/presentationml/2006/main">
+  <p:cSld>
+    <p:spTree>
+      <p:nvGrpSpPr>
+        <p:cNvPr id="1" name=""/>
+        <p:cNvGrpSpPr/>
+        <p:nvPr/>
+      </p:nvGrpSpPr>
+      <p:grpSpPr>
+        <a:xfrm>
+          <a:off x="0" y="0"/>
+          <a:ext cx="0" cy="0"/>
+          <a:chOff x="0" y="0"/>
+          <a:chExt cx="0" cy="0"/>
+        </a:xfrm>
+      </p:grpSpPr>
+      <p:sp>
+        <p:nvSpPr>
+          <p:cNvPr id="2" name="Title 1"/>
+          <p:cNvSpPr>
+            <a:spLocks noGrp="1"/>
+          </p:cNvSpPr>
+          <p:nvPr>
+            <p:ph type="title"/>
+          </p:nvPr>
+        </p:nvSpPr>
+        <p:spPr>
+          <a:xfrm>
+            <a:off x="838200" y="365126"/>
+            <a:ext cx="10515600" cy="757822"/>
+          </a:xfrm>
+        </p:spPr>
+        <p:txBody>
+          <a:bodyPr/>
+          <a:lstStyle/>
+          <a:p>
+            <a:r>
+              <a:rPr lang="en-US" dirty="0"/>
+              <a:t>Categorical vs Quantitative Review</a:t>
+            </a:r>
+          </a:p>
+        </p:txBody>
+      </p:sp>
+      <p:sp>
+        <p:nvSpPr>
+          <p:cNvPr id="3" name="Content Placeholder 2"/>
+          <p:cNvSpPr>
+            <a:spLocks noGrp="1"/>
+          </p:cNvSpPr>
+          <p:nvPr>
+            <p:ph idx="1"/>
+          </p:nvPr>
+        </p:nvSpPr>
+        <p:spPr>
+          <a:xfrm>
+            <a:off x="838200" y="1122948"/>
+            <a:ext cx="10515600" cy="5054015"/>
+          </a:xfrm>
+        </p:spPr>
+        <p:txBody>
+          <a:bodyPr>
+            <a:normAutofit/>
+          </a:bodyPr>
+          <a:lstStyle/>
+          <a:p>
+            <a:pPr marL="457200" lvl="1" indent="0">
+              <a:buNone/>
+            </a:pPr>
+            <a:r>
+              <a:rPr lang="en-US" dirty="0"/>
+              <a:t>1.  Categorical variables:</a:t>
+            </a:r>
+            <a:endParaRPr lang="en-US" sz="3200" dirty="0"/>
+          </a:p>
+          <a:p>
+            <a:pPr lvl="2"/>
+            <a:r>
+              <a:rPr lang="en-US" dirty="0"/>
+              <a:t>Yes/no response, gender, etc.  </a:t>
+            </a:r>
+          </a:p>
+          <a:p>
+            <a:pPr lvl="2"/>
+            <a:r>
+              <a:rPr lang="en-US" dirty="0"/>
+              <a:t>Each observation belongs to one of a set of distinct categories.</a:t>
+            </a:r>
+          </a:p>
+          <a:p>
+            <a:pPr lvl="2"/>
+            <a:r>
+              <a:rPr lang="en-US" dirty="0"/>
+              <a:t>Graph:   </a:t>
+            </a:r>
+            <a:endParaRPr lang="en-US" sz="2800" dirty="0"/>
+          </a:p>
+          <a:p>
+            <a:pPr lvl="1"/>
+            <a:endParaRPr lang="en-US" sz="2800" dirty="0"/>
+          </a:p>
+          <a:p>
+            <a:endParaRPr lang="en-US" dirty="0"/>
+          </a:p>
+        </p:txBody>
+      </p:sp>
+      <p:pic>
+        <p:nvPicPr>
+          <p:cNvPr id="4" name="Picture 3"/>
+          <p:cNvPicPr/>
+          <p:nvPr/>
+        </p:nvPicPr>
+        <p:blipFill>
+          <a:blip r:embed="rId2"/>
+          <a:stretch>
+            <a:fillRect/>
+          </a:stretch>
+        </p:blipFill>
+        <p:spPr>
+          <a:xfrm>
+            <a:off x="5378512" y="2782083"/>
+            <a:ext cx="4833796" cy="3784179"/>
+          </a:xfrm>
+          <a:prstGeom prst="rect">
+            <a:avLst/>
+          </a:prstGeom>
+        </p:spPr>
+      </p:pic>
+      <p:sp>
+        <p:nvSpPr>
+          <p:cNvPr id="5" name="TextBox 4"/>
+          <p:cNvSpPr txBox="1"/>
+          <p:nvPr/>
+        </p:nvSpPr>
+        <p:spPr>
+          <a:xfrm>
+            <a:off x="2227906" y="3095957"/>
+            <a:ext cx="3150606" cy="646331"/>
+          </a:xfrm>
+          <a:prstGeom prst="rect">
+            <a:avLst/>
+          </a:prstGeom>
+          <a:noFill/>
+        </p:spPr>
+        <p:txBody>
+          <a:bodyPr wrap="square" rtlCol="0">
+            <a:spAutoFit/>
+          </a:bodyPr>
+          <a:lstStyle/>
+          <a:p>
+            <a:r>
+              <a:rPr lang="en-US" dirty="0">
+                <a:solidFill>
+                  <a:srgbClr val="002060"/>
+                </a:solidFill>
+              </a:rPr>
+              <a:t>Students who take Fall 2018 STAT 201:</a:t>
+            </a:r>
+          </a:p>
+        </p:txBody>
+      </p:sp>
+    </p:spTree>
+  </p:cSld>
+  <p:clrMapOvr>
+    <a:masterClrMapping/>
+  </p:clrMapOvr>
+</p:sld>
+</file>
+
+<file path=ppt/slides/slide8.xml><?xml version="1.0" encoding="utf-8"?>
+<p:sld xmlns:a="http://schemas.openxmlformats.org/drawingml/2006/main" xmlns:r="http://schemas.openxmlformats.org/officeDocument/2006/relationships" xmlns:p="http://schemas.openxmlformats.org/presentationml/2006/main">
+  <p:cSld>
+    <p:spTree>
+      <p:nvGrpSpPr>
+        <p:cNvPr id="1" name=""/>
+        <p:cNvGrpSpPr/>
+        <p:nvPr/>
+      </p:nvGrpSpPr>
+      <p:grpSpPr>
+        <a:xfrm>
+          <a:off x="0" y="0"/>
+          <a:ext cx="0" cy="0"/>
+          <a:chOff x="0" y="0"/>
+          <a:chExt cx="0" cy="0"/>
+        </a:xfrm>
+      </p:grpSpPr>
+      <p:sp>
+        <p:nvSpPr>
+          <p:cNvPr id="6" name="Rectangle 5"/>
+          <p:cNvSpPr/>
+          <p:nvPr/>
+        </p:nvSpPr>
+        <p:spPr>
+          <a:xfrm>
+            <a:off x="3519267" y="374386"/>
+            <a:ext cx="3759234" cy="369332"/>
+          </a:xfrm>
+          <a:prstGeom prst="rect">
+            <a:avLst/>
+          </a:prstGeom>
+        </p:spPr>
+        <p:txBody>
+          <a:bodyPr wrap="none">
+            <a:spAutoFit/>
+          </a:bodyPr>
+          <a:lstStyle/>
+          <a:p>
+            <a:r>
+              <a:rPr lang="en-US" dirty="0">
+                <a:solidFill>
+                  <a:srgbClr val="002060"/>
+                </a:solidFill>
+              </a:rPr>
+              <a:t>Students who take Fall 2018 STAT 201:</a:t>
+            </a:r>
+          </a:p>
+        </p:txBody>
+      </p:sp>
+      <p:pic>
+        <p:nvPicPr>
+          <p:cNvPr id="3" name="Picture 2"/>
+          <p:cNvPicPr>
+            <a:picLocks noChangeAspect="1"/>
+          </p:cNvPicPr>
+          <p:nvPr/>
+        </p:nvPicPr>
+        <p:blipFill>
+          <a:blip r:embed="rId2"/>
+          <a:stretch>
+            <a:fillRect/>
+          </a:stretch>
+        </p:blipFill>
+        <p:spPr>
+          <a:xfrm>
+            <a:off x="2075790" y="887240"/>
+            <a:ext cx="7020726" cy="5771584"/>
+          </a:xfrm>
+          <a:prstGeom prst="rect">
+            <a:avLst/>
+          </a:prstGeom>
+        </p:spPr>
+      </p:pic>
+    </p:spTree>
+  </p:cSld>
+  <p:clrMapOvr>
+    <a:masterClrMapping/>
+  </p:clrMapOvr>
+</p:sld>
+</file>
+
+<file path=ppt/slides/slide9.xml><?xml version="1.0" encoding="utf-8"?>
+<p:sld xmlns:a="http://schemas.openxmlformats.org/drawingml/2006/main" xmlns:r="http://schemas.openxmlformats.org/officeDocument/2006/relationships" xmlns:p="http://schemas.openxmlformats.org/presentationml/2006/main">
+  <p:cSld>
+    <p:spTree>
+      <p:nvGrpSpPr>
+        <p:cNvPr id="1" name=""/>
+        <p:cNvGrpSpPr/>
+        <p:nvPr/>
+      </p:nvGrpSpPr>
+      <p:grpSpPr>
+        <a:xfrm>
+          <a:off x="0" y="0"/>
+          <a:ext cx="0" cy="0"/>
+          <a:chOff x="0" y="0"/>
+          <a:chExt cx="0" cy="0"/>
+        </a:xfrm>
+      </p:grpSpPr>
+      <p:sp>
+        <p:nvSpPr>
+          <p:cNvPr id="4" name="Rectangle 3"/>
+          <p:cNvSpPr/>
+          <p:nvPr/>
+        </p:nvSpPr>
+        <p:spPr>
+          <a:xfrm>
+            <a:off x="0" y="311474"/>
+            <a:ext cx="11850986" cy="923330"/>
+          </a:xfrm>
+          <a:prstGeom prst="rect">
+            <a:avLst/>
+          </a:prstGeom>
+        </p:spPr>
+        <p:txBody>
+          <a:bodyPr wrap="square">
+            <a:spAutoFit/>
+          </a:bodyPr>
+          <a:lstStyle/>
+          <a:p>
+            <a:pPr lvl="1"/>
+            <a:r>
+              <a:rPr lang="en-US" dirty="0"/>
+              <a:t>2.  Quantitative variables:</a:t>
+            </a:r>
+            <a:endParaRPr lang="en-US" sz="3200" dirty="0"/>
+          </a:p>
+          <a:p>
+            <a:pPr lvl="2"/>
+            <a:r>
+              <a:rPr lang="en-US" dirty="0"/>
+              <a:t>Observations take on numerical values that represent different magnitudes of the variable.   </a:t>
+            </a:r>
+            <a:endParaRPr lang="en-US" sz="2800" dirty="0"/>
+          </a:p>
+          <a:p>
+            <a:pPr lvl="2"/>
+            <a:r>
+              <a:rPr lang="en-US" dirty="0"/>
+              <a:t>Age, income, number of siblings.  </a:t>
+            </a:r>
+            <a:endParaRPr lang="en-US" sz="2800" dirty="0"/>
+          </a:p>
+        </p:txBody>
+      </p:sp>
+      <p:sp>
+        <p:nvSpPr>
+          <p:cNvPr id="6" name="TextBox 5"/>
+          <p:cNvSpPr txBox="1"/>
+          <p:nvPr/>
+        </p:nvSpPr>
+        <p:spPr>
+          <a:xfrm>
+            <a:off x="326679" y="3697016"/>
+            <a:ext cx="3385242" cy="1200329"/>
+          </a:xfrm>
+          <a:prstGeom prst="rect">
+            <a:avLst/>
+          </a:prstGeom>
+          <a:noFill/>
+        </p:spPr>
+        <p:txBody>
+          <a:bodyPr wrap="square" rtlCol="0">
+            <a:spAutoFit/>
+          </a:bodyPr>
+          <a:lstStyle/>
+          <a:p>
+            <a:r>
+              <a:rPr lang="en-US" dirty="0">
+                <a:solidFill>
+                  <a:srgbClr val="002060"/>
+                </a:solidFill>
+              </a:rPr>
+              <a:t>How many text messages do you send per day?</a:t>
+            </a:r>
+          </a:p>
+          <a:p>
+            <a:endParaRPr lang="en-US" dirty="0">
+              <a:solidFill>
+                <a:srgbClr val="002060"/>
+              </a:solidFill>
+            </a:endParaRPr>
+          </a:p>
+          <a:p>
+            <a:r>
+              <a:rPr lang="en-US" dirty="0">
+                <a:solidFill>
+                  <a:srgbClr val="002060"/>
+                </a:solidFill>
+              </a:rPr>
+              <a:t>For Students who take STAT 201:</a:t>
+            </a:r>
+          </a:p>
+        </p:txBody>
+      </p:sp>
+      <p:pic>
+        <p:nvPicPr>
+          <p:cNvPr id="7" name="Picture 6"/>
+          <p:cNvPicPr>
+            <a:picLocks noChangeAspect="1"/>
+          </p:cNvPicPr>
+          <p:nvPr/>
+        </p:nvPicPr>
+        <p:blipFill>
+          <a:blip r:embed="rId2"/>
+          <a:stretch>
+            <a:fillRect/>
+          </a:stretch>
+        </p:blipFill>
+        <p:spPr>
+          <a:xfrm>
+            <a:off x="5108701" y="1338497"/>
+            <a:ext cx="4949699" cy="4427326"/>
+          </a:xfrm>
+          <a:prstGeom prst="rect">
+            <a:avLst/>
+          </a:prstGeom>
+        </p:spPr>
+      </p:pic>
+      <p:pic>
+        <p:nvPicPr>
+          <p:cNvPr id="8" name="Picture 7"/>
+          <p:cNvPicPr>
+            <a:picLocks noChangeAspect="1"/>
+          </p:cNvPicPr>
+          <p:nvPr/>
+        </p:nvPicPr>
+        <p:blipFill>
+          <a:blip r:embed="rId3"/>
+          <a:stretch>
+            <a:fillRect/>
+          </a:stretch>
+        </p:blipFill>
+        <p:spPr>
+          <a:xfrm>
+            <a:off x="5422177" y="5765823"/>
+            <a:ext cx="4219764" cy="967515"/>
+          </a:xfrm>
+          <a:prstGeom prst="rect">
+            <a:avLst/>
+          </a:prstGeom>
+        </p:spPr>
+      </p:pic>
     </p:spTree>
   </p:cSld>
   <p:clrMapOvr>
@@ -3359,7 +4786,7 @@
     </a:clrScheme>
     <a:fontScheme name="Office">
       <a:majorFont>
-        <a:latin typeface="Calibri Light"/>
+        <a:latin typeface="Calibri Light" panose="020F0302020204030204"/>
         <a:ea typeface=""/>
         <a:cs typeface=""/>
         <a:font script="Jpan" typeface="ＭＳ Ｐゴシック"/>
@@ -3394,7 +4821,7 @@
         <a:font script="Geor" typeface="Sylfaen"/>
       </a:majorFont>
       <a:minorFont>
-        <a:latin typeface="Calibri"/>
+        <a:latin typeface="Calibri" panose="020F0502020204030204"/>
         <a:ea typeface=""/>
         <a:cs typeface=""/>
         <a:font script="Jpan" typeface="ＭＳ Ｐゴシック"/>
@@ -3620,7 +5047,7 @@
     </a:clrScheme>
     <a:fontScheme name="Office">
       <a:majorFont>
-        <a:latin typeface="Calibri Light"/>
+        <a:latin typeface="Calibri Light" panose="020F0302020204030204"/>
         <a:ea typeface=""/>
         <a:cs typeface=""/>
         <a:font script="Jpan" typeface="ＭＳ Ｐゴシック"/>
@@ -3655,7 +5082,7 @@
         <a:font script="Geor" typeface="Sylfaen"/>
       </a:majorFont>
       <a:minorFont>
-        <a:latin typeface="Calibri"/>
+        <a:latin typeface="Calibri" panose="020F0502020204030204"/>
         <a:ea typeface=""/>
         <a:cs typeface=""/>
         <a:font script="Jpan" typeface="ＭＳ Ｐゴシック"/>

--- a/Lab2/Lab 2.pptx
+++ b/Lab2/Lab 2.pptx
@@ -15,8 +15,8 @@
     <p:sldId id="261" r:id="rId6"/>
     <p:sldId id="262" r:id="rId7"/>
     <p:sldId id="266" r:id="rId8"/>
-    <p:sldId id="267" r:id="rId9"/>
-    <p:sldId id="268" r:id="rId10"/>
+    <p:sldId id="268" r:id="rId9"/>
+    <p:sldId id="267" r:id="rId10"/>
     <p:sldId id="269" r:id="rId11"/>
     <p:sldId id="263" r:id="rId12"/>
   </p:sldIdLst>
@@ -3290,7 +3290,7 @@
         </p:nvSpPr>
         <p:spPr>
           <a:xfrm>
-            <a:off x="2677294" y="283851"/>
+            <a:off x="2549254" y="862587"/>
             <a:ext cx="4185285" cy="368300"/>
           </a:xfrm>
           <a:prstGeom prst="rect">
@@ -3330,8 +3330,8 @@
         </p:blipFill>
         <p:spPr>
           <a:xfrm>
-            <a:off x="1424940" y="786130"/>
-            <a:ext cx="8521065" cy="3938905"/>
+            <a:off x="559847" y="1548601"/>
+            <a:ext cx="7336693" cy="3391423"/>
           </a:xfrm>
           <a:prstGeom prst="rect">
             <a:avLst/>
@@ -3354,7 +3354,7 @@
         </p:blipFill>
         <p:spPr>
           <a:xfrm>
-            <a:off x="3088640" y="5168900"/>
+            <a:off x="946075" y="5155453"/>
             <a:ext cx="4469765" cy="1478280"/>
           </a:xfrm>
           <a:prstGeom prst="rect">
@@ -3362,6 +3362,135 @@
           </a:prstGeom>
         </p:spPr>
       </p:pic>
+      <p:sp>
+        <p:nvSpPr>
+          <p:cNvPr id="4" name="矩形 3">
+            <a:extLst>
+              <a:ext uri="{FF2B5EF4-FFF2-40B4-BE49-F238E27FC236}">
+                <a16:creationId xmlns:a16="http://schemas.microsoft.com/office/drawing/2014/main" id="{083D815F-AB25-49FE-B516-E517F41009BD}"/>
+              </a:ext>
+            </a:extLst>
+          </p:cNvPr>
+          <p:cNvSpPr/>
+          <p:nvPr/>
+        </p:nvSpPr>
+        <p:spPr>
+          <a:xfrm>
+            <a:off x="7776882" y="1008043"/>
+            <a:ext cx="4168588" cy="4832092"/>
+          </a:xfrm>
+          <a:prstGeom prst="rect">
+            <a:avLst/>
+          </a:prstGeom>
+        </p:spPr>
+        <p:txBody>
+          <a:bodyPr wrap="square">
+            <a:spAutoFit/>
+          </a:bodyPr>
+          <a:lstStyle/>
+          <a:p>
+            <a:pPr lvl="2"/>
+            <a:r>
+              <a:rPr lang="en-US" altLang="zh-CN" sz="2800" dirty="0"/>
+              <a:t>Graph-&gt;</a:t>
+            </a:r>
+            <a:r>
+              <a:rPr lang="en-US" altLang="zh-CN" sz="2800" dirty="0" err="1"/>
+              <a:t>dotplot</a:t>
+            </a:r>
+            <a:r>
+              <a:rPr lang="en-US" altLang="zh-CN" sz="2800" dirty="0"/>
+              <a:t>- select column clothing-&gt; group by gender-&gt; marker mean-&gt;compute</a:t>
+            </a:r>
+          </a:p>
+          <a:p>
+            <a:pPr lvl="2"/>
+            <a:endParaRPr lang="en-US" altLang="zh-CN" sz="2800" dirty="0"/>
+          </a:p>
+          <a:p>
+            <a:pPr lvl="2"/>
+            <a:r>
+              <a:rPr lang="en-US" altLang="zh-CN" sz="2800" dirty="0"/>
+              <a:t>Stat-&gt; summary stats-&gt;columns-&gt;clothing -&gt; group by gender-&gt;compute</a:t>
+            </a:r>
+          </a:p>
+          <a:p>
+            <a:pPr lvl="2"/>
+            <a:endParaRPr lang="en-US" altLang="zh-CN" sz="2800" dirty="0"/>
+          </a:p>
+        </p:txBody>
+      </p:sp>
+      <p:sp>
+        <p:nvSpPr>
+          <p:cNvPr id="6" name="矩形 5">
+            <a:extLst>
+              <a:ext uri="{FF2B5EF4-FFF2-40B4-BE49-F238E27FC236}">
+                <a16:creationId xmlns:a16="http://schemas.microsoft.com/office/drawing/2014/main" id="{A1C0F589-9DC3-4BDD-884A-E26C5A512C41}"/>
+              </a:ext>
+            </a:extLst>
+          </p:cNvPr>
+          <p:cNvSpPr/>
+          <p:nvPr/>
+        </p:nvSpPr>
+        <p:spPr>
+          <a:xfrm>
+            <a:off x="5732930" y="5638364"/>
+            <a:ext cx="6096000" cy="646331"/>
+          </a:xfrm>
+          <a:prstGeom prst="rect">
+            <a:avLst/>
+          </a:prstGeom>
+        </p:spPr>
+        <p:txBody>
+          <a:bodyPr>
+            <a:spAutoFit/>
+          </a:bodyPr>
+          <a:lstStyle/>
+          <a:p>
+            <a:r>
+              <a:rPr lang="en-US" altLang="zh-CN" dirty="0"/>
+              <a:t>make a similar graph with other variables, save it in a word document, write one sentence to describe your observation.</a:t>
+            </a:r>
+            <a:endParaRPr lang="zh-CN" altLang="en-US" dirty="0"/>
+          </a:p>
+        </p:txBody>
+      </p:sp>
+      <p:sp>
+        <p:nvSpPr>
+          <p:cNvPr id="7" name="矩形 6">
+            <a:extLst>
+              <a:ext uri="{FF2B5EF4-FFF2-40B4-BE49-F238E27FC236}">
+                <a16:creationId xmlns:a16="http://schemas.microsoft.com/office/drawing/2014/main" id="{0DA035E1-5D05-48BC-824A-E8CD8C19BB06}"/>
+              </a:ext>
+            </a:extLst>
+          </p:cNvPr>
+          <p:cNvSpPr/>
+          <p:nvPr/>
+        </p:nvSpPr>
+        <p:spPr>
+          <a:xfrm>
+            <a:off x="1239175" y="224267"/>
+            <a:ext cx="5260479" cy="369332"/>
+          </a:xfrm>
+          <a:prstGeom prst="rect">
+            <a:avLst/>
+          </a:prstGeom>
+        </p:spPr>
+        <p:txBody>
+          <a:bodyPr wrap="none">
+            <a:spAutoFit/>
+          </a:bodyPr>
+          <a:lstStyle/>
+          <a:p>
+            <a:pPr lvl="1"/>
+            <a:r>
+              <a:rPr lang="en-US" altLang="zh-CN" dirty="0"/>
+              <a:t>4.One quantitative and one Categorical variables:</a:t>
+            </a:r>
+            <a:endParaRPr lang="en-US" altLang="zh-CN" sz="3200" dirty="0"/>
+          </a:p>
+        </p:txBody>
+      </p:sp>
     </p:spTree>
   </p:cSld>
   <p:clrMapOvr>
@@ -4177,7 +4306,7 @@
         </p:spPr>
         <p:txBody>
           <a:bodyPr>
-            <a:normAutofit fontScale="92500" lnSpcReduction="20000"/>
+            <a:normAutofit/>
           </a:bodyPr>
           <a:lstStyle/>
           <a:p>
@@ -4255,7 +4384,19 @@
             <a:pPr lvl="1"/>
             <a:r>
               <a:rPr lang="en-US" dirty="0"/>
-              <a:t>Type in Name of Dataset in Browse all Search field on left side of screen (type it carefully):</a:t>
+              <a:t>Type in Name of Dataset in Browse all Search field on left side of screen (</a:t>
+            </a:r>
+            <a:r>
+              <a:rPr lang="en-US" dirty="0">
+                <a:solidFill>
+                  <a:srgbClr val="FF0000"/>
+                </a:solidFill>
+              </a:rPr>
+              <a:t>Or copy it</a:t>
+            </a:r>
+            <a:r>
+              <a:rPr lang="en-US" dirty="0"/>
+              <a:t>):</a:t>
             </a:r>
           </a:p>
           <a:p>
@@ -4268,33 +4409,7 @@
               </a:rPr>
               <a:t>Response to STAT 201 Fall 2019 Survey</a:t>
             </a:r>
-            <a:endParaRPr lang="en-US" sz="2500" b="1" dirty="0">
-              <a:solidFill>
-                <a:srgbClr val="FF0000"/>
-              </a:solidFill>
-            </a:endParaRPr>
-          </a:p>
-          <a:p>
-            <a:pPr lvl="1"/>
-            <a:r>
-              <a:rPr lang="en-US" dirty="0"/>
-              <a:t>Note if you type it differently at all it will not find the dataset.   You may search for a smaller part </a:t>
-            </a:r>
-            <a:r>
-              <a:rPr lang="en-US" b="1" dirty="0"/>
-              <a:t>Spring 2019 STAT 201</a:t>
-            </a:r>
-            <a:r>
-              <a:rPr lang="en-US" dirty="0"/>
-              <a:t> and a few options may appear.  </a:t>
-            </a:r>
-          </a:p>
-          <a:p>
-            <a:pPr lvl="1"/>
-            <a:r>
-              <a:rPr lang="en-US" dirty="0"/>
-              <a:t>Select the correct dataset ( We are using an older survey responses due to the few responses for this semester).  When you click on the correct file a spreadsheet should open that contains many rows with responses.</a:t>
-            </a:r>
+            <a:endParaRPr lang="en-US" dirty="0"/>
           </a:p>
           <a:p>
             <a:r>
@@ -4395,35 +4510,33 @@
             </a:pPr>
             <a:r>
               <a:rPr lang="en-US" dirty="0"/>
-              <a:t>1.  Categorical variables:</a:t>
-            </a:r>
-            <a:endParaRPr lang="en-US" sz="3200" dirty="0"/>
+              <a:t>1.  </a:t>
+            </a:r>
+            <a:r>
+              <a:rPr lang="en-US" sz="2000" dirty="0"/>
+              <a:t>One categorical variables Example:</a:t>
+            </a:r>
           </a:p>
           <a:p>
             <a:pPr lvl="2"/>
             <a:r>
               <a:rPr lang="en-US" dirty="0"/>
-              <a:t>Yes/no response, gender, etc.  </a:t>
-            </a:r>
-          </a:p>
-          <a:p>
-            <a:pPr lvl="2"/>
-            <a:r>
-              <a:rPr lang="en-US" dirty="0"/>
-              <a:t>Each observation belongs to one of a set of distinct categories.</a:t>
-            </a:r>
-          </a:p>
-          <a:p>
-            <a:pPr lvl="2"/>
-            <a:r>
-              <a:rPr lang="en-US" dirty="0"/>
               <a:t>Graph:   </a:t>
             </a:r>
-            <a:endParaRPr lang="en-US" sz="2800" dirty="0"/>
-          </a:p>
-          <a:p>
-            <a:pPr lvl="1"/>
-            <a:endParaRPr lang="en-US" sz="2800" dirty="0"/>
+            <a:r>
+              <a:rPr lang="en-US" altLang="zh-CN" dirty="0"/>
+              <a:t>Graph-&gt;Pie Chart-&gt;With Data-&gt; Choose Gender in Select columns -&gt; Compute</a:t>
+            </a:r>
+            <a:endParaRPr lang="en-US" dirty="0"/>
+          </a:p>
+          <a:p>
+            <a:pPr marL="457200" lvl="1" indent="0">
+              <a:buNone/>
+            </a:pPr>
+            <a:r>
+              <a:rPr lang="en-US" sz="2000" dirty="0"/>
+              <a:t>2. Choose another categorical variable, make a graph and save it in a word document, write one sentence to describe your observation.</a:t>
+            </a:r>
           </a:p>
           <a:p>
             <a:endParaRPr lang="en-US" dirty="0"/>
@@ -4512,21 +4625,91 @@
       </p:grpSpPr>
       <p:sp>
         <p:nvSpPr>
-          <p:cNvPr id="6" name="Rectangle 5"/>
+          <p:cNvPr id="4" name="Rectangle 3"/>
           <p:cNvSpPr/>
           <p:nvPr/>
         </p:nvSpPr>
         <p:spPr>
           <a:xfrm>
-            <a:off x="3519267" y="374386"/>
-            <a:ext cx="3759234" cy="369332"/>
+            <a:off x="0" y="311474"/>
+            <a:ext cx="11850986" cy="3662541"/>
           </a:xfrm>
           <a:prstGeom prst="rect">
             <a:avLst/>
           </a:prstGeom>
         </p:spPr>
         <p:txBody>
-          <a:bodyPr wrap="none">
+          <a:bodyPr wrap="square">
+            <a:spAutoFit/>
+          </a:bodyPr>
+          <a:lstStyle/>
+          <a:p>
+            <a:pPr marL="800100" lvl="1" indent="-342900">
+              <a:buAutoNum type="arabicPeriod" startAt="2"/>
+            </a:pPr>
+            <a:r>
+              <a:rPr lang="en-US" dirty="0"/>
+              <a:t>One quantitative variables:</a:t>
+            </a:r>
+            <a:endParaRPr lang="en-US" sz="3200" dirty="0"/>
+          </a:p>
+          <a:p>
+            <a:pPr lvl="1"/>
+            <a:endParaRPr lang="en-US" sz="2800" dirty="0"/>
+          </a:p>
+          <a:p>
+            <a:pPr lvl="2"/>
+            <a:r>
+              <a:rPr lang="en-US" sz="2800" dirty="0"/>
+              <a:t>Graph-&gt;Histogram-&gt;text-&gt;compute</a:t>
+            </a:r>
+          </a:p>
+          <a:p>
+            <a:pPr lvl="2"/>
+            <a:r>
+              <a:rPr lang="en-US" sz="2800" dirty="0"/>
+              <a:t>Stat-&gt; summary stats-&gt;columns-&gt;text-&gt;compute</a:t>
+            </a:r>
+          </a:p>
+          <a:p>
+            <a:pPr lvl="2"/>
+            <a:endParaRPr lang="en-US" sz="2800" dirty="0"/>
+          </a:p>
+          <a:p>
+            <a:pPr lvl="2"/>
+            <a:r>
+              <a:rPr lang="en-US" altLang="zh-CN" sz="2800" dirty="0"/>
+              <a:t>Choose another quantitative variable, make a graph and save it in a word document, write one sentence to describe your observation.</a:t>
+            </a:r>
+          </a:p>
+          <a:p>
+            <a:pPr lvl="2"/>
+            <a:endParaRPr lang="en-US" sz="2800" dirty="0"/>
+          </a:p>
+          <a:p>
+            <a:pPr lvl="2"/>
+            <a:endParaRPr lang="en-US" dirty="0"/>
+          </a:p>
+        </p:txBody>
+      </p:sp>
+      <p:sp>
+        <p:nvSpPr>
+          <p:cNvPr id="6" name="TextBox 5"/>
+          <p:cNvSpPr txBox="1"/>
+          <p:nvPr/>
+        </p:nvSpPr>
+        <p:spPr>
+          <a:xfrm>
+            <a:off x="1433820" y="3271192"/>
+            <a:ext cx="3385242" cy="1200329"/>
+          </a:xfrm>
+          <a:prstGeom prst="rect">
+            <a:avLst/>
+          </a:prstGeom>
+          <a:noFill/>
+        </p:spPr>
+        <p:txBody>
+          <a:bodyPr wrap="square" rtlCol="0">
             <a:spAutoFit/>
           </a:bodyPr>
           <a:lstStyle/>
@@ -4537,14 +4720,31 @@
                   <a:srgbClr val="002060"/>
                 </a:solidFill>
               </a:rPr>
-              <a:t>Students who take Fall 2018 STAT 201:</a:t>
+              <a:t>How many text messages do you send per day?</a:t>
+            </a:r>
+          </a:p>
+          <a:p>
+            <a:endParaRPr lang="en-US" dirty="0">
+              <a:solidFill>
+                <a:srgbClr val="002060"/>
+              </a:solidFill>
+            </a:endParaRPr>
+          </a:p>
+          <a:p>
+            <a:r>
+              <a:rPr lang="en-US" dirty="0">
+                <a:solidFill>
+                  <a:srgbClr val="002060"/>
+                </a:solidFill>
+              </a:rPr>
+              <a:t>For Students who take STAT 201:</a:t>
             </a:r>
           </a:p>
         </p:txBody>
       </p:sp>
       <p:pic>
         <p:nvPicPr>
-          <p:cNvPr id="3" name="Picture 2"/>
+          <p:cNvPr id="7" name="Picture 6"/>
           <p:cNvPicPr>
             <a:picLocks noChangeAspect="1"/>
           </p:cNvPicPr>
@@ -4558,8 +4758,32 @@
         </p:blipFill>
         <p:spPr>
           <a:xfrm>
-            <a:off x="2075790" y="887240"/>
-            <a:ext cx="7020726" cy="5771584"/>
+            <a:off x="6001871" y="3327302"/>
+            <a:ext cx="2590264" cy="2316897"/>
+          </a:xfrm>
+          <a:prstGeom prst="rect">
+            <a:avLst/>
+          </a:prstGeom>
+        </p:spPr>
+      </p:pic>
+      <p:pic>
+        <p:nvPicPr>
+          <p:cNvPr id="8" name="Picture 7"/>
+          <p:cNvPicPr>
+            <a:picLocks noChangeAspect="1"/>
+          </p:cNvPicPr>
+          <p:nvPr/>
+        </p:nvPicPr>
+        <p:blipFill>
+          <a:blip r:embed="rId3"/>
+          <a:stretch>
+            <a:fillRect/>
+          </a:stretch>
+        </p:blipFill>
+        <p:spPr>
+          <a:xfrm>
+            <a:off x="5422177" y="5765823"/>
+            <a:ext cx="4219764" cy="967515"/>
           </a:xfrm>
           <a:prstGeom prst="rect">
             <a:avLst/>
@@ -4593,68 +4817,21 @@
       </p:grpSpPr>
       <p:sp>
         <p:nvSpPr>
-          <p:cNvPr id="4" name="Rectangle 3"/>
+          <p:cNvPr id="6" name="Rectangle 5"/>
           <p:cNvSpPr/>
           <p:nvPr/>
         </p:nvSpPr>
         <p:spPr>
           <a:xfrm>
-            <a:off x="0" y="311474"/>
-            <a:ext cx="11850986" cy="923330"/>
+            <a:off x="2421091" y="374386"/>
+            <a:ext cx="3759234" cy="369332"/>
           </a:xfrm>
           <a:prstGeom prst="rect">
             <a:avLst/>
           </a:prstGeom>
         </p:spPr>
         <p:txBody>
-          <a:bodyPr wrap="square">
-            <a:spAutoFit/>
-          </a:bodyPr>
-          <a:lstStyle/>
-          <a:p>
-            <a:pPr lvl="1"/>
-            <a:r>
-              <a:rPr lang="en-US" dirty="0"/>
-              <a:t>2.  Quantitative variables:</a:t>
-            </a:r>
-            <a:endParaRPr lang="en-US" sz="3200" dirty="0"/>
-          </a:p>
-          <a:p>
-            <a:pPr lvl="2"/>
-            <a:r>
-              <a:rPr lang="en-US" dirty="0"/>
-              <a:t>Observations take on numerical values that represent different magnitudes of the variable.   </a:t>
-            </a:r>
-            <a:endParaRPr lang="en-US" sz="2800" dirty="0"/>
-          </a:p>
-          <a:p>
-            <a:pPr lvl="2"/>
-            <a:r>
-              <a:rPr lang="en-US" dirty="0"/>
-              <a:t>Age, income, number of siblings.  </a:t>
-            </a:r>
-            <a:endParaRPr lang="en-US" sz="2800" dirty="0"/>
-          </a:p>
-        </p:txBody>
-      </p:sp>
-      <p:sp>
-        <p:nvSpPr>
-          <p:cNvPr id="6" name="TextBox 5"/>
-          <p:cNvSpPr txBox="1"/>
-          <p:nvPr/>
-        </p:nvSpPr>
-        <p:spPr>
-          <a:xfrm>
-            <a:off x="326679" y="3697016"/>
-            <a:ext cx="3385242" cy="1200329"/>
-          </a:xfrm>
-          <a:prstGeom prst="rect">
-            <a:avLst/>
-          </a:prstGeom>
-          <a:noFill/>
-        </p:spPr>
-        <p:txBody>
-          <a:bodyPr wrap="square" rtlCol="0">
+          <a:bodyPr wrap="none">
             <a:spAutoFit/>
           </a:bodyPr>
           <a:lstStyle/>
@@ -4665,31 +4842,14 @@
                   <a:srgbClr val="002060"/>
                 </a:solidFill>
               </a:rPr>
-              <a:t>How many text messages do you send per day?</a:t>
-            </a:r>
-          </a:p>
-          <a:p>
-            <a:endParaRPr lang="en-US" dirty="0">
-              <a:solidFill>
-                <a:srgbClr val="002060"/>
-              </a:solidFill>
-            </a:endParaRPr>
-          </a:p>
-          <a:p>
-            <a:r>
-              <a:rPr lang="en-US" dirty="0">
-                <a:solidFill>
-                  <a:srgbClr val="002060"/>
-                </a:solidFill>
-              </a:rPr>
-              <a:t>For Students who take STAT 201:</a:t>
+              <a:t>Students who take Fall 2018 STAT 201:</a:t>
             </a:r>
           </a:p>
         </p:txBody>
       </p:sp>
       <p:pic>
         <p:nvPicPr>
-          <p:cNvPr id="7" name="Picture 6"/>
+          <p:cNvPr id="3" name="Picture 2"/>
           <p:cNvPicPr>
             <a:picLocks noChangeAspect="1"/>
           </p:cNvPicPr>
@@ -4703,38 +4863,119 @@
         </p:blipFill>
         <p:spPr>
           <a:xfrm>
-            <a:off x="5108701" y="1338497"/>
-            <a:ext cx="4949699" cy="4427326"/>
+            <a:off x="668332" y="869311"/>
+            <a:ext cx="7020726" cy="5771584"/>
           </a:xfrm>
           <a:prstGeom prst="rect">
             <a:avLst/>
           </a:prstGeom>
         </p:spPr>
       </p:pic>
-      <p:pic>
-        <p:nvPicPr>
-          <p:cNvPr id="8" name="Picture 7"/>
-          <p:cNvPicPr>
-            <a:picLocks noChangeAspect="1"/>
-          </p:cNvPicPr>
+      <p:sp>
+        <p:nvSpPr>
+          <p:cNvPr id="2" name="矩形 1">
+            <a:extLst>
+              <a:ext uri="{FF2B5EF4-FFF2-40B4-BE49-F238E27FC236}">
+                <a16:creationId xmlns:a16="http://schemas.microsoft.com/office/drawing/2014/main" id="{4B7E6EC5-B0C3-4AD3-9828-40424630ED0B}"/>
+              </a:ext>
+            </a:extLst>
+          </p:cNvPr>
+          <p:cNvSpPr/>
           <p:nvPr/>
-        </p:nvPicPr>
-        <p:blipFill>
-          <a:blip r:embed="rId3"/>
-          <a:stretch>
-            <a:fillRect/>
-          </a:stretch>
-        </p:blipFill>
-        <p:spPr>
-          <a:xfrm>
-            <a:off x="5422177" y="5765823"/>
-            <a:ext cx="4219764" cy="967515"/>
+        </p:nvSpPr>
+        <p:spPr>
+          <a:xfrm>
+            <a:off x="5427668" y="743718"/>
+            <a:ext cx="6096000" cy="1815882"/>
           </a:xfrm>
           <a:prstGeom prst="rect">
             <a:avLst/>
           </a:prstGeom>
         </p:spPr>
-      </p:pic>
+        <p:txBody>
+          <a:bodyPr>
+            <a:spAutoFit/>
+          </a:bodyPr>
+          <a:lstStyle/>
+          <a:p>
+            <a:pPr lvl="2"/>
+            <a:r>
+              <a:rPr lang="en-US" altLang="zh-CN" sz="2800" dirty="0"/>
+              <a:t>Graph-&gt;Bar plot-&gt;with data-&gt; select column gender-&gt; group by transportation-&gt; stack bars-&gt;value above bar-&gt;compute</a:t>
+            </a:r>
+          </a:p>
+        </p:txBody>
+      </p:sp>
+      <p:sp>
+        <p:nvSpPr>
+          <p:cNvPr id="4" name="矩形 3">
+            <a:extLst>
+              <a:ext uri="{FF2B5EF4-FFF2-40B4-BE49-F238E27FC236}">
+                <a16:creationId xmlns:a16="http://schemas.microsoft.com/office/drawing/2014/main" id="{B1C065C4-7046-46CD-8397-260A4038AEAB}"/>
+              </a:ext>
+            </a:extLst>
+          </p:cNvPr>
+          <p:cNvSpPr/>
+          <p:nvPr/>
+        </p:nvSpPr>
+        <p:spPr>
+          <a:xfrm>
+            <a:off x="6293224" y="3741920"/>
+            <a:ext cx="6096000" cy="1015663"/>
+          </a:xfrm>
+          <a:prstGeom prst="rect">
+            <a:avLst/>
+          </a:prstGeom>
+        </p:spPr>
+        <p:txBody>
+          <a:bodyPr>
+            <a:spAutoFit/>
+          </a:bodyPr>
+          <a:lstStyle/>
+          <a:p>
+            <a:pPr lvl="2"/>
+            <a:r>
+              <a:rPr lang="en-US" altLang="zh-CN" sz="2000" dirty="0"/>
+              <a:t>Choose other variables and make a graph, save it in a word document, write one sentence to describe your observation.</a:t>
+            </a:r>
+          </a:p>
+        </p:txBody>
+      </p:sp>
+      <p:sp>
+        <p:nvSpPr>
+          <p:cNvPr id="5" name="矩形 4">
+            <a:extLst>
+              <a:ext uri="{FF2B5EF4-FFF2-40B4-BE49-F238E27FC236}">
+                <a16:creationId xmlns:a16="http://schemas.microsoft.com/office/drawing/2014/main" id="{EB46A974-4F75-433B-907B-4A577911ED5D}"/>
+              </a:ext>
+            </a:extLst>
+          </p:cNvPr>
+          <p:cNvSpPr/>
+          <p:nvPr/>
+        </p:nvSpPr>
+        <p:spPr>
+          <a:xfrm>
+            <a:off x="6674396" y="217105"/>
+            <a:ext cx="2776209" cy="369332"/>
+          </a:xfrm>
+          <a:prstGeom prst="rect">
+            <a:avLst/>
+          </a:prstGeom>
+        </p:spPr>
+        <p:txBody>
+          <a:bodyPr wrap="none">
+            <a:spAutoFit/>
+          </a:bodyPr>
+          <a:lstStyle/>
+          <a:p>
+            <a:r>
+              <a:rPr lang="en-US" altLang="zh-CN" dirty="0"/>
+              <a:t>3.Two Categorical variables:</a:t>
+            </a:r>
+            <a:endParaRPr lang="zh-CN" altLang="en-US" dirty="0"/>
+          </a:p>
+        </p:txBody>
+      </p:sp>
     </p:spTree>
   </p:cSld>
   <p:clrMapOvr>

--- a/Lab2/Lab 2.pptx
+++ b/Lab2/Lab 2.pptx
@@ -5,20 +5,18 @@
     <p:sldMasterId id="2147483648" r:id="rId1"/>
   </p:sldMasterIdLst>
   <p:handoutMasterIdLst>
-    <p:handoutMasterId r:id="rId13"/>
+    <p:handoutMasterId r:id="rId11"/>
   </p:handoutMasterIdLst>
   <p:sldIdLst>
     <p:sldId id="256" r:id="rId2"/>
     <p:sldId id="257" r:id="rId3"/>
     <p:sldId id="258" r:id="rId4"/>
     <p:sldId id="260" r:id="rId5"/>
-    <p:sldId id="261" r:id="rId6"/>
-    <p:sldId id="262" r:id="rId7"/>
-    <p:sldId id="266" r:id="rId8"/>
-    <p:sldId id="268" r:id="rId9"/>
-    <p:sldId id="267" r:id="rId10"/>
-    <p:sldId id="269" r:id="rId11"/>
-    <p:sldId id="263" r:id="rId12"/>
+    <p:sldId id="266" r:id="rId6"/>
+    <p:sldId id="268" r:id="rId7"/>
+    <p:sldId id="267" r:id="rId8"/>
+    <p:sldId id="269" r:id="rId9"/>
+    <p:sldId id="263" r:id="rId10"/>
   </p:sldIdLst>
   <p:sldSz cx="12192000" cy="6858000"/>
   <p:notesSz cx="7010400" cy="9296400"/>
@@ -207,7 +205,7 @@
           <a:p>
             <a:fld id="{43828497-B133-47ED-BB19-42F4D3E0744C}" type="datetimeFigureOut">
               <a:rPr lang="en-US" smtClean="0"/>
-              <a:t>8/30/2019</a:t>
+              <a:t>1/13/2020</a:t>
             </a:fld>
             <a:endParaRPr lang="en-US"/>
           </a:p>
@@ -419,7 +417,7 @@
           <a:p>
             <a:fld id="{D8FB3228-FF70-4911-9C29-93CE4A8BFC98}" type="datetimeFigureOut">
               <a:rPr lang="en-US" smtClean="0"/>
-              <a:t>8/30/2019</a:t>
+              <a:t>1/13/2020</a:t>
             </a:fld>
             <a:endParaRPr lang="en-US"/>
           </a:p>
@@ -587,7 +585,7 @@
           <a:p>
             <a:fld id="{D8FB3228-FF70-4911-9C29-93CE4A8BFC98}" type="datetimeFigureOut">
               <a:rPr lang="en-US" smtClean="0"/>
-              <a:t>8/30/2019</a:t>
+              <a:t>1/13/2020</a:t>
             </a:fld>
             <a:endParaRPr lang="en-US"/>
           </a:p>
@@ -765,7 +763,7 @@
           <a:p>
             <a:fld id="{D8FB3228-FF70-4911-9C29-93CE4A8BFC98}" type="datetimeFigureOut">
               <a:rPr lang="en-US" smtClean="0"/>
-              <a:t>8/30/2019</a:t>
+              <a:t>1/13/2020</a:t>
             </a:fld>
             <a:endParaRPr lang="en-US"/>
           </a:p>
@@ -933,7 +931,7 @@
           <a:p>
             <a:fld id="{D8FB3228-FF70-4911-9C29-93CE4A8BFC98}" type="datetimeFigureOut">
               <a:rPr lang="en-US" smtClean="0"/>
-              <a:t>8/30/2019</a:t>
+              <a:t>1/13/2020</a:t>
             </a:fld>
             <a:endParaRPr lang="en-US"/>
           </a:p>
@@ -1178,7 +1176,7 @@
           <a:p>
             <a:fld id="{D8FB3228-FF70-4911-9C29-93CE4A8BFC98}" type="datetimeFigureOut">
               <a:rPr lang="en-US" smtClean="0"/>
-              <a:t>8/30/2019</a:t>
+              <a:t>1/13/2020</a:t>
             </a:fld>
             <a:endParaRPr lang="en-US"/>
           </a:p>
@@ -1407,7 +1405,7 @@
           <a:p>
             <a:fld id="{D8FB3228-FF70-4911-9C29-93CE4A8BFC98}" type="datetimeFigureOut">
               <a:rPr lang="en-US" smtClean="0"/>
-              <a:t>8/30/2019</a:t>
+              <a:t>1/13/2020</a:t>
             </a:fld>
             <a:endParaRPr lang="en-US"/>
           </a:p>
@@ -1771,7 +1769,7 @@
           <a:p>
             <a:fld id="{D8FB3228-FF70-4911-9C29-93CE4A8BFC98}" type="datetimeFigureOut">
               <a:rPr lang="en-US" smtClean="0"/>
-              <a:t>8/30/2019</a:t>
+              <a:t>1/13/2020</a:t>
             </a:fld>
             <a:endParaRPr lang="en-US"/>
           </a:p>
@@ -1888,7 +1886,7 @@
           <a:p>
             <a:fld id="{D8FB3228-FF70-4911-9C29-93CE4A8BFC98}" type="datetimeFigureOut">
               <a:rPr lang="en-US" smtClean="0"/>
-              <a:t>8/30/2019</a:t>
+              <a:t>1/13/2020</a:t>
             </a:fld>
             <a:endParaRPr lang="en-US"/>
           </a:p>
@@ -1983,7 +1981,7 @@
           <a:p>
             <a:fld id="{D8FB3228-FF70-4911-9C29-93CE4A8BFC98}" type="datetimeFigureOut">
               <a:rPr lang="en-US" smtClean="0"/>
-              <a:t>8/30/2019</a:t>
+              <a:t>1/13/2020</a:t>
             </a:fld>
             <a:endParaRPr lang="en-US"/>
           </a:p>
@@ -2258,7 +2256,7 @@
           <a:p>
             <a:fld id="{D8FB3228-FF70-4911-9C29-93CE4A8BFC98}" type="datetimeFigureOut">
               <a:rPr lang="en-US" smtClean="0"/>
-              <a:t>8/30/2019</a:t>
+              <a:t>1/13/2020</a:t>
             </a:fld>
             <a:endParaRPr lang="en-US"/>
           </a:p>
@@ -2510,7 +2508,7 @@
           <a:p>
             <a:fld id="{D8FB3228-FF70-4911-9C29-93CE4A8BFC98}" type="datetimeFigureOut">
               <a:rPr lang="en-US" smtClean="0"/>
-              <a:t>8/30/2019</a:t>
+              <a:t>1/13/2020</a:t>
             </a:fld>
             <a:endParaRPr lang="en-US"/>
           </a:p>
@@ -2721,7 +2719,7 @@
           <a:p>
             <a:fld id="{D8FB3228-FF70-4911-9C29-93CE4A8BFC98}" type="datetimeFigureOut">
               <a:rPr lang="en-US" smtClean="0"/>
-              <a:t>8/30/2019</a:t>
+              <a:t>1/13/2020</a:t>
             </a:fld>
             <a:endParaRPr lang="en-US"/>
           </a:p>
@@ -3265,376 +3263,6 @@
 </p:sld>
 </file>
 
-<file path=ppt/slides/slide10.xml><?xml version="1.0" encoding="utf-8"?>
-<p:sld xmlns:a="http://schemas.openxmlformats.org/drawingml/2006/main" xmlns:r="http://schemas.openxmlformats.org/officeDocument/2006/relationships" xmlns:p="http://schemas.openxmlformats.org/presentationml/2006/main">
-  <p:cSld>
-    <p:spTree>
-      <p:nvGrpSpPr>
-        <p:cNvPr id="1" name=""/>
-        <p:cNvGrpSpPr/>
-        <p:nvPr/>
-      </p:nvGrpSpPr>
-      <p:grpSpPr>
-        <a:xfrm>
-          <a:off x="0" y="0"/>
-          <a:ext cx="0" cy="0"/>
-          <a:chOff x="0" y="0"/>
-          <a:chExt cx="0" cy="0"/>
-        </a:xfrm>
-      </p:grpSpPr>
-      <p:sp>
-        <p:nvSpPr>
-          <p:cNvPr id="3" name="Rectangle 2"/>
-          <p:cNvSpPr/>
-          <p:nvPr/>
-        </p:nvSpPr>
-        <p:spPr>
-          <a:xfrm>
-            <a:off x="2549254" y="862587"/>
-            <a:ext cx="4185285" cy="368300"/>
-          </a:xfrm>
-          <a:prstGeom prst="rect">
-            <a:avLst/>
-          </a:prstGeom>
-        </p:spPr>
-        <p:txBody>
-          <a:bodyPr wrap="none">
-            <a:spAutoFit/>
-          </a:bodyPr>
-          <a:lstStyle/>
-          <a:p>
-            <a:r>
-              <a:rPr lang="en-US" dirty="0">
-                <a:solidFill>
-                  <a:srgbClr val="002060"/>
-                </a:solidFill>
-              </a:rPr>
-              <a:t>How much does students spent on clothing</a:t>
-            </a:r>
-          </a:p>
-        </p:txBody>
-      </p:sp>
-      <p:pic>
-        <p:nvPicPr>
-          <p:cNvPr id="2" name="图片 1"/>
-          <p:cNvPicPr>
-            <a:picLocks noChangeAspect="1"/>
-          </p:cNvPicPr>
-          <p:nvPr/>
-        </p:nvPicPr>
-        <p:blipFill>
-          <a:blip r:embed="rId2"/>
-          <a:stretch>
-            <a:fillRect/>
-          </a:stretch>
-        </p:blipFill>
-        <p:spPr>
-          <a:xfrm>
-            <a:off x="559847" y="1548601"/>
-            <a:ext cx="7336693" cy="3391423"/>
-          </a:xfrm>
-          <a:prstGeom prst="rect">
-            <a:avLst/>
-          </a:prstGeom>
-        </p:spPr>
-      </p:pic>
-      <p:pic>
-        <p:nvPicPr>
-          <p:cNvPr id="5" name="图片 4"/>
-          <p:cNvPicPr>
-            <a:picLocks noChangeAspect="1"/>
-          </p:cNvPicPr>
-          <p:nvPr/>
-        </p:nvPicPr>
-        <p:blipFill>
-          <a:blip r:embed="rId3"/>
-          <a:stretch>
-            <a:fillRect/>
-          </a:stretch>
-        </p:blipFill>
-        <p:spPr>
-          <a:xfrm>
-            <a:off x="946075" y="5155453"/>
-            <a:ext cx="4469765" cy="1478280"/>
-          </a:xfrm>
-          <a:prstGeom prst="rect">
-            <a:avLst/>
-          </a:prstGeom>
-        </p:spPr>
-      </p:pic>
-      <p:sp>
-        <p:nvSpPr>
-          <p:cNvPr id="4" name="矩形 3">
-            <a:extLst>
-              <a:ext uri="{FF2B5EF4-FFF2-40B4-BE49-F238E27FC236}">
-                <a16:creationId xmlns:a16="http://schemas.microsoft.com/office/drawing/2014/main" id="{083D815F-AB25-49FE-B516-E517F41009BD}"/>
-              </a:ext>
-            </a:extLst>
-          </p:cNvPr>
-          <p:cNvSpPr/>
-          <p:nvPr/>
-        </p:nvSpPr>
-        <p:spPr>
-          <a:xfrm>
-            <a:off x="7776882" y="1008043"/>
-            <a:ext cx="4168588" cy="4832092"/>
-          </a:xfrm>
-          <a:prstGeom prst="rect">
-            <a:avLst/>
-          </a:prstGeom>
-        </p:spPr>
-        <p:txBody>
-          <a:bodyPr wrap="square">
-            <a:spAutoFit/>
-          </a:bodyPr>
-          <a:lstStyle/>
-          <a:p>
-            <a:pPr lvl="2"/>
-            <a:r>
-              <a:rPr lang="en-US" altLang="zh-CN" sz="2800" dirty="0"/>
-              <a:t>Graph-&gt;</a:t>
-            </a:r>
-            <a:r>
-              <a:rPr lang="en-US" altLang="zh-CN" sz="2800" dirty="0" err="1"/>
-              <a:t>dotplot</a:t>
-            </a:r>
-            <a:r>
-              <a:rPr lang="en-US" altLang="zh-CN" sz="2800" dirty="0"/>
-              <a:t>- select column clothing-&gt; group by gender-&gt; marker mean-&gt;compute</a:t>
-            </a:r>
-          </a:p>
-          <a:p>
-            <a:pPr lvl="2"/>
-            <a:endParaRPr lang="en-US" altLang="zh-CN" sz="2800" dirty="0"/>
-          </a:p>
-          <a:p>
-            <a:pPr lvl="2"/>
-            <a:r>
-              <a:rPr lang="en-US" altLang="zh-CN" sz="2800" dirty="0"/>
-              <a:t>Stat-&gt; summary stats-&gt;columns-&gt;clothing -&gt; group by gender-&gt;compute</a:t>
-            </a:r>
-          </a:p>
-          <a:p>
-            <a:pPr lvl="2"/>
-            <a:endParaRPr lang="en-US" altLang="zh-CN" sz="2800" dirty="0"/>
-          </a:p>
-        </p:txBody>
-      </p:sp>
-      <p:sp>
-        <p:nvSpPr>
-          <p:cNvPr id="6" name="矩形 5">
-            <a:extLst>
-              <a:ext uri="{FF2B5EF4-FFF2-40B4-BE49-F238E27FC236}">
-                <a16:creationId xmlns:a16="http://schemas.microsoft.com/office/drawing/2014/main" id="{A1C0F589-9DC3-4BDD-884A-E26C5A512C41}"/>
-              </a:ext>
-            </a:extLst>
-          </p:cNvPr>
-          <p:cNvSpPr/>
-          <p:nvPr/>
-        </p:nvSpPr>
-        <p:spPr>
-          <a:xfrm>
-            <a:off x="5732930" y="5638364"/>
-            <a:ext cx="6096000" cy="646331"/>
-          </a:xfrm>
-          <a:prstGeom prst="rect">
-            <a:avLst/>
-          </a:prstGeom>
-        </p:spPr>
-        <p:txBody>
-          <a:bodyPr>
-            <a:spAutoFit/>
-          </a:bodyPr>
-          <a:lstStyle/>
-          <a:p>
-            <a:r>
-              <a:rPr lang="en-US" altLang="zh-CN" dirty="0"/>
-              <a:t>make a similar graph with other variables, save it in a word document, write one sentence to describe your observation.</a:t>
-            </a:r>
-            <a:endParaRPr lang="zh-CN" altLang="en-US" dirty="0"/>
-          </a:p>
-        </p:txBody>
-      </p:sp>
-      <p:sp>
-        <p:nvSpPr>
-          <p:cNvPr id="7" name="矩形 6">
-            <a:extLst>
-              <a:ext uri="{FF2B5EF4-FFF2-40B4-BE49-F238E27FC236}">
-                <a16:creationId xmlns:a16="http://schemas.microsoft.com/office/drawing/2014/main" id="{0DA035E1-5D05-48BC-824A-E8CD8C19BB06}"/>
-              </a:ext>
-            </a:extLst>
-          </p:cNvPr>
-          <p:cNvSpPr/>
-          <p:nvPr/>
-        </p:nvSpPr>
-        <p:spPr>
-          <a:xfrm>
-            <a:off x="1239175" y="224267"/>
-            <a:ext cx="5260479" cy="369332"/>
-          </a:xfrm>
-          <a:prstGeom prst="rect">
-            <a:avLst/>
-          </a:prstGeom>
-        </p:spPr>
-        <p:txBody>
-          <a:bodyPr wrap="none">
-            <a:spAutoFit/>
-          </a:bodyPr>
-          <a:lstStyle/>
-          <a:p>
-            <a:pPr lvl="1"/>
-            <a:r>
-              <a:rPr lang="en-US" altLang="zh-CN" dirty="0"/>
-              <a:t>4.One quantitative and one Categorical variables:</a:t>
-            </a:r>
-            <a:endParaRPr lang="en-US" altLang="zh-CN" sz="3200" dirty="0"/>
-          </a:p>
-        </p:txBody>
-      </p:sp>
-    </p:spTree>
-  </p:cSld>
-  <p:clrMapOvr>
-    <a:masterClrMapping/>
-  </p:clrMapOvr>
-</p:sld>
-</file>
-
-<file path=ppt/slides/slide11.xml><?xml version="1.0" encoding="utf-8"?>
-<p:sld xmlns:a="http://schemas.openxmlformats.org/drawingml/2006/main" xmlns:r="http://schemas.openxmlformats.org/officeDocument/2006/relationships" xmlns:p="http://schemas.openxmlformats.org/presentationml/2006/main">
-  <p:cSld>
-    <p:spTree>
-      <p:nvGrpSpPr>
-        <p:cNvPr id="1" name=""/>
-        <p:cNvGrpSpPr/>
-        <p:nvPr/>
-      </p:nvGrpSpPr>
-      <p:grpSpPr>
-        <a:xfrm>
-          <a:off x="0" y="0"/>
-          <a:ext cx="0" cy="0"/>
-          <a:chOff x="0" y="0"/>
-          <a:chExt cx="0" cy="0"/>
-        </a:xfrm>
-      </p:grpSpPr>
-      <p:sp>
-        <p:nvSpPr>
-          <p:cNvPr id="2" name="Title 1"/>
-          <p:cNvSpPr>
-            <a:spLocks noGrp="1"/>
-          </p:cNvSpPr>
-          <p:nvPr>
-            <p:ph type="title"/>
-          </p:nvPr>
-        </p:nvSpPr>
-        <p:spPr>
-          <a:xfrm>
-            <a:off x="233265" y="74645"/>
-            <a:ext cx="11251163" cy="654990"/>
-          </a:xfrm>
-        </p:spPr>
-        <p:txBody>
-          <a:bodyPr>
-            <a:normAutofit fontScale="90000"/>
-          </a:bodyPr>
-          <a:lstStyle/>
-          <a:p>
-            <a:r>
-              <a:rPr lang="en-US" dirty="0"/>
-              <a:t>Before you Leave</a:t>
-            </a:r>
-          </a:p>
-        </p:txBody>
-      </p:sp>
-      <p:sp>
-        <p:nvSpPr>
-          <p:cNvPr id="3" name="Content Placeholder 2"/>
-          <p:cNvSpPr>
-            <a:spLocks noGrp="1"/>
-          </p:cNvSpPr>
-          <p:nvPr>
-            <p:ph idx="1"/>
-          </p:nvPr>
-        </p:nvSpPr>
-        <p:spPr>
-          <a:xfrm>
-            <a:off x="233265" y="729635"/>
-            <a:ext cx="11120535" cy="5447328"/>
-          </a:xfrm>
-        </p:spPr>
-        <p:txBody>
-          <a:bodyPr/>
-          <a:lstStyle/>
-          <a:p>
-            <a:r>
-              <a:rPr lang="en-US" dirty="0"/>
-              <a:t>Turn in pages 13 and 14 from the lab book and the Word document you created with  graphs, numerical summaries, and observations.  </a:t>
-            </a:r>
-            <a:r>
-              <a:rPr lang="en-US" i="1" dirty="0"/>
-              <a:t>Everyone needs to turn in their own work</a:t>
-            </a:r>
-            <a:r>
-              <a:rPr lang="en-US" dirty="0"/>
-              <a:t>.</a:t>
-            </a:r>
-          </a:p>
-          <a:p>
-            <a:pPr lvl="1"/>
-            <a:r>
-              <a:rPr lang="en-US" dirty="0"/>
-              <a:t>Make sure to fill in Table 2.2.  </a:t>
-            </a:r>
-          </a:p>
-          <a:p>
-            <a:pPr lvl="1"/>
-            <a:r>
-              <a:rPr lang="en-US" dirty="0"/>
-              <a:t>Reference table 2.1 on page 10 for what graphs and numerical summaries are appropriate.</a:t>
-            </a:r>
-          </a:p>
-          <a:p>
-            <a:pPr lvl="1"/>
-            <a:r>
-              <a:rPr lang="en-US" dirty="0"/>
-              <a:t>For Numerical Summaries look under Summary Stats and Tables.  </a:t>
-            </a:r>
-          </a:p>
-          <a:p>
-            <a:pPr lvl="1"/>
-            <a:r>
-              <a:rPr lang="en-US" dirty="0"/>
-              <a:t>When working with Two Variables (#3 and #4) make sure your graphs have all information on one graph (use the Group by option). </a:t>
-            </a:r>
-          </a:p>
-          <a:p>
-            <a:r>
-              <a:rPr lang="en-US" b="1" dirty="0"/>
-              <a:t>Register for </a:t>
-            </a:r>
-            <a:r>
-              <a:rPr lang="en-US" b="1" dirty="0" err="1"/>
-              <a:t>MyStatLab</a:t>
-            </a:r>
-            <a:r>
-              <a:rPr lang="en-US" b="1" dirty="0"/>
-              <a:t> if you haven’t already.  If you haven’t already done so make sure you do Pre-Lab Introduction and Pre-Lab 2 as they are due now (Before you leave lab today).</a:t>
-            </a:r>
-          </a:p>
-        </p:txBody>
-      </p:sp>
-    </p:spTree>
-    <p:extLst>
-      <p:ext uri="{BB962C8B-B14F-4D97-AF65-F5344CB8AC3E}">
-        <p14:creationId xmlns:p14="http://schemas.microsoft.com/office/powerpoint/2010/main" val="2240038431"/>
-      </p:ext>
-    </p:extLst>
-  </p:cSld>
-  <p:clrMapOvr>
-    <a:masterClrMapping/>
-  </p:clrMapOvr>
-</p:sld>
-</file>
-
 <file path=ppt/slides/slide2.xml><?xml version="1.0" encoding="utf-8"?>
 <p:sld xmlns:a="http://schemas.openxmlformats.org/drawingml/2006/main" xmlns:r="http://schemas.openxmlformats.org/officeDocument/2006/relationships" xmlns:p="http://schemas.openxmlformats.org/presentationml/2006/main">
   <p:cSld>
@@ -4165,8 +3793,8 @@
         </p:nvSpPr>
         <p:spPr>
           <a:xfrm>
-            <a:off x="149290" y="0"/>
-            <a:ext cx="11204510" cy="944239"/>
+            <a:off x="838200" y="365126"/>
+            <a:ext cx="10515600" cy="757822"/>
           </a:xfrm>
         </p:spPr>
         <p:txBody>
@@ -4175,7 +3803,7 @@
           <a:p>
             <a:r>
               <a:rPr lang="en-US" dirty="0"/>
-              <a:t>Data Collection for Lab 2</a:t>
+              <a:t>Categorical vs Quantitative Review</a:t>
             </a:r>
           </a:p>
         </p:txBody>
@@ -4192,27 +3820,58 @@
         </p:nvSpPr>
         <p:spPr>
           <a:xfrm>
-            <a:off x="149290" y="944238"/>
-            <a:ext cx="4187799" cy="5764471"/>
-          </a:xfrm>
-        </p:spPr>
-        <p:txBody>
-          <a:bodyPr/>
-          <a:lstStyle/>
-          <a:p>
+            <a:off x="838200" y="1122948"/>
+            <a:ext cx="10515600" cy="5054015"/>
+          </a:xfrm>
+        </p:spPr>
+        <p:txBody>
+          <a:bodyPr>
+            <a:normAutofit/>
+          </a:bodyPr>
+          <a:lstStyle/>
+          <a:p>
+            <a:pPr marL="457200" lvl="1" indent="0">
+              <a:buNone/>
+            </a:pPr>
             <a:r>
               <a:rPr lang="en-US" dirty="0"/>
-              <a:t>All students enrolled in STAT 201 were asked to complete participate in a survey (the one you were emailed the link to and the one that was found in the Pre-Lab Introduction assignment).  </a:t>
-            </a:r>
+              <a:t>1.  </a:t>
+            </a:r>
+            <a:r>
+              <a:rPr lang="en-US" sz="2000" dirty="0"/>
+              <a:t>One categorical variables Example:</a:t>
+            </a:r>
+          </a:p>
+          <a:p>
+            <a:pPr lvl="2"/>
+            <a:r>
+              <a:rPr lang="en-US" dirty="0"/>
+              <a:t>Graph:   </a:t>
+            </a:r>
+            <a:r>
+              <a:rPr lang="en-US" altLang="zh-CN" dirty="0"/>
+              <a:t>Graph-&gt;Pie Chart-&gt;With Data-&gt; Choose Gender in Select columns -&gt; Compute</a:t>
+            </a:r>
+            <a:endParaRPr lang="en-US" dirty="0"/>
+          </a:p>
+          <a:p>
+            <a:pPr marL="457200" lvl="1" indent="0">
+              <a:buNone/>
+            </a:pPr>
+            <a:r>
+              <a:rPr lang="en-US" sz="2000" dirty="0"/>
+              <a:t>2. Choose another categorical variable, make a graph and save it in a word document, write one sentence to describe your observation.</a:t>
+            </a:r>
+          </a:p>
+          <a:p>
+            <a:endParaRPr lang="en-US" dirty="0"/>
           </a:p>
         </p:txBody>
       </p:sp>
       <p:pic>
         <p:nvPicPr>
           <p:cNvPr id="4" name="Picture 3"/>
-          <p:cNvPicPr>
-            <a:picLocks noChangeAspect="1"/>
-          </p:cNvPicPr>
+          <p:cNvPicPr/>
           <p:nvPr/>
         </p:nvPicPr>
         <p:blipFill>
@@ -4223,20 +3882,48 @@
         </p:blipFill>
         <p:spPr>
           <a:xfrm>
-            <a:off x="4337089" y="836013"/>
-            <a:ext cx="7854911" cy="4603734"/>
+            <a:off x="5378512" y="2782083"/>
+            <a:ext cx="4833796" cy="3784179"/>
           </a:xfrm>
           <a:prstGeom prst="rect">
             <a:avLst/>
           </a:prstGeom>
         </p:spPr>
       </p:pic>
+      <p:sp>
+        <p:nvSpPr>
+          <p:cNvPr id="5" name="TextBox 4"/>
+          <p:cNvSpPr txBox="1"/>
+          <p:nvPr/>
+        </p:nvSpPr>
+        <p:spPr>
+          <a:xfrm>
+            <a:off x="2227906" y="3095957"/>
+            <a:ext cx="3150606" cy="646331"/>
+          </a:xfrm>
+          <a:prstGeom prst="rect">
+            <a:avLst/>
+          </a:prstGeom>
+          <a:noFill/>
+        </p:spPr>
+        <p:txBody>
+          <a:bodyPr wrap="square" rtlCol="0">
+            <a:spAutoFit/>
+          </a:bodyPr>
+          <a:lstStyle/>
+          <a:p>
+            <a:r>
+              <a:rPr lang="en-US" dirty="0">
+                <a:solidFill>
+                  <a:srgbClr val="002060"/>
+                </a:solidFill>
+              </a:rPr>
+              <a:t>Students who take Fall 2018 STAT 201:</a:t>
+            </a:r>
+          </a:p>
+        </p:txBody>
+      </p:sp>
     </p:spTree>
-    <p:extLst>
-      <p:ext uri="{BB962C8B-B14F-4D97-AF65-F5344CB8AC3E}">
-        <p14:creationId xmlns:p14="http://schemas.microsoft.com/office/powerpoint/2010/main" val="1164477924"/>
-      </p:ext>
-    </p:extLst>
   </p:cSld>
   <p:clrMapOvr>
     <a:masterClrMapping/>
@@ -4263,175 +3950,172 @@
       </p:grpSpPr>
       <p:sp>
         <p:nvSpPr>
-          <p:cNvPr id="2" name="Title 1"/>
-          <p:cNvSpPr>
-            <a:spLocks noGrp="1"/>
-          </p:cNvSpPr>
-          <p:nvPr>
-            <p:ph type="title"/>
-          </p:nvPr>
-        </p:nvSpPr>
-        <p:spPr>
-          <a:xfrm>
-            <a:off x="111967" y="111967"/>
-            <a:ext cx="11241833" cy="860264"/>
-          </a:xfrm>
-        </p:spPr>
-        <p:txBody>
-          <a:bodyPr/>
-          <a:lstStyle/>
-          <a:p>
+          <p:cNvPr id="4" name="Rectangle 3"/>
+          <p:cNvSpPr/>
+          <p:nvPr/>
+        </p:nvSpPr>
+        <p:spPr>
+          <a:xfrm>
+            <a:off x="0" y="311474"/>
+            <a:ext cx="11850986" cy="3662541"/>
+          </a:xfrm>
+          <a:prstGeom prst="rect">
+            <a:avLst/>
+          </a:prstGeom>
+        </p:spPr>
+        <p:txBody>
+          <a:bodyPr wrap="square">
+            <a:spAutoFit/>
+          </a:bodyPr>
+          <a:lstStyle/>
+          <a:p>
+            <a:pPr marL="800100" lvl="1" indent="-342900">
+              <a:buAutoNum type="arabicPeriod" startAt="2"/>
+            </a:pPr>
             <a:r>
               <a:rPr lang="en-US" dirty="0"/>
-              <a:t>Accessing the Survey Data for Analysis</a:t>
-            </a:r>
-          </a:p>
-        </p:txBody>
-      </p:sp>
-      <p:sp>
-        <p:nvSpPr>
-          <p:cNvPr id="3" name="Content Placeholder 2"/>
-          <p:cNvSpPr>
-            <a:spLocks noGrp="1"/>
-          </p:cNvSpPr>
-          <p:nvPr>
-            <p:ph idx="1"/>
-          </p:nvPr>
-        </p:nvSpPr>
-        <p:spPr>
-          <a:xfrm>
-            <a:off x="0" y="839755"/>
-            <a:ext cx="12008497" cy="5878286"/>
-          </a:xfrm>
-        </p:spPr>
-        <p:txBody>
-          <a:bodyPr>
-            <a:normAutofit/>
+              <a:t>One quantitative variables:</a:t>
+            </a:r>
+            <a:endParaRPr lang="en-US" sz="3200" dirty="0"/>
+          </a:p>
+          <a:p>
+            <a:pPr lvl="1"/>
+            <a:endParaRPr lang="en-US" sz="2800" dirty="0"/>
+          </a:p>
+          <a:p>
+            <a:pPr lvl="2"/>
+            <a:r>
+              <a:rPr lang="en-US" sz="2800" dirty="0"/>
+              <a:t>Graph-&gt;Histogram-&gt;text-&gt;compute</a:t>
+            </a:r>
+          </a:p>
+          <a:p>
+            <a:pPr lvl="2"/>
+            <a:r>
+              <a:rPr lang="en-US" sz="2800" dirty="0"/>
+              <a:t>Stat-&gt; summary stats-&gt;columns-&gt;text-&gt;compute</a:t>
+            </a:r>
+          </a:p>
+          <a:p>
+            <a:pPr lvl="2"/>
+            <a:endParaRPr lang="en-US" sz="2800" dirty="0"/>
+          </a:p>
+          <a:p>
+            <a:pPr lvl="2"/>
+            <a:r>
+              <a:rPr lang="en-US" altLang="zh-CN" sz="2800" dirty="0"/>
+              <a:t>Choose another quantitative variable, make a graph and save it in a word document, write one sentence to describe your observation.</a:t>
+            </a:r>
+          </a:p>
+          <a:p>
+            <a:pPr lvl="2"/>
+            <a:endParaRPr lang="en-US" sz="2800" dirty="0"/>
+          </a:p>
+          <a:p>
+            <a:pPr lvl="2"/>
+            <a:endParaRPr lang="en-US" dirty="0"/>
+          </a:p>
+        </p:txBody>
+      </p:sp>
+      <p:sp>
+        <p:nvSpPr>
+          <p:cNvPr id="6" name="TextBox 5"/>
+          <p:cNvSpPr txBox="1"/>
+          <p:nvPr/>
+        </p:nvSpPr>
+        <p:spPr>
+          <a:xfrm>
+            <a:off x="1433820" y="3271192"/>
+            <a:ext cx="3385242" cy="1200329"/>
+          </a:xfrm>
+          <a:prstGeom prst="rect">
+            <a:avLst/>
+          </a:prstGeom>
+          <a:noFill/>
+        </p:spPr>
+        <p:txBody>
+          <a:bodyPr wrap="square" rtlCol="0">
+            <a:spAutoFit/>
           </a:bodyPr>
           <a:lstStyle/>
           <a:p>
-            <a:r>
-              <a:rPr lang="en-US" dirty="0"/>
-              <a:t>Logon to a computer:</a:t>
-            </a:r>
-          </a:p>
-          <a:p>
-            <a:pPr lvl="1"/>
-            <a:r>
-              <a:rPr lang="en-US" dirty="0"/>
-              <a:t>Work in pairs on the computers in the room (must work with someone from your table).  </a:t>
-            </a:r>
-          </a:p>
-          <a:p>
-            <a:pPr lvl="1"/>
-            <a:r>
-              <a:rPr lang="en-US" dirty="0"/>
-              <a:t>You may use a laptop; however, you will have to print so at some point you are going to have to get on a computer in the room.  </a:t>
-            </a:r>
-          </a:p>
-          <a:p>
-            <a:r>
-              <a:rPr lang="en-US" dirty="0"/>
-              <a:t>Log onto StatCrunch.com:</a:t>
-            </a:r>
-          </a:p>
-          <a:p>
-            <a:pPr lvl="1"/>
-            <a:r>
-              <a:rPr lang="en-US" dirty="0">
-                <a:hlinkClick r:id="rId2"/>
-              </a:rPr>
-              <a:t>www.statcrunch.com</a:t>
-            </a:r>
-            <a:endParaRPr lang="en-US" dirty="0"/>
-          </a:p>
-          <a:p>
-            <a:pPr lvl="1"/>
-            <a:r>
-              <a:rPr lang="en-US" dirty="0"/>
-              <a:t>Sign in using your </a:t>
-            </a:r>
-            <a:r>
-              <a:rPr lang="en-US" dirty="0" err="1"/>
-              <a:t>MyStatLab</a:t>
-            </a:r>
-            <a:r>
-              <a:rPr lang="en-US" dirty="0"/>
-              <a:t> ID and password.  </a:t>
-            </a:r>
-          </a:p>
-          <a:p>
-            <a:r>
-              <a:rPr lang="en-US" dirty="0"/>
-              <a:t>Navigate to the survey dataset created:</a:t>
-            </a:r>
-          </a:p>
-          <a:p>
-            <a:pPr lvl="1"/>
-            <a:r>
-              <a:rPr lang="en-US" dirty="0"/>
-              <a:t>Click Explore</a:t>
-            </a:r>
-          </a:p>
-          <a:p>
-            <a:pPr lvl="1"/>
-            <a:r>
-              <a:rPr lang="en-US" dirty="0"/>
-              <a:t>Select Data</a:t>
-            </a:r>
-          </a:p>
-          <a:p>
-            <a:pPr lvl="1"/>
-            <a:r>
-              <a:rPr lang="en-US" dirty="0"/>
-              <a:t>Type in Name of Dataset in Browse all Search field on left side of screen (</a:t>
-            </a:r>
             <a:r>
               <a:rPr lang="en-US" dirty="0">
                 <a:solidFill>
-                  <a:srgbClr val="FF0000"/>
+                  <a:srgbClr val="002060"/>
                 </a:solidFill>
               </a:rPr>
-              <a:t>Or copy it</a:t>
-            </a:r>
-            <a:r>
-              <a:rPr lang="en-US" dirty="0"/>
-              <a:t>):</a:t>
-            </a:r>
-          </a:p>
-          <a:p>
-            <a:pPr lvl="2"/>
-            <a:r>
-              <a:rPr lang="en-US" altLang="zh-CN" sz="2800" dirty="0">
+              <a:t>How many text messages do you send per day?</a:t>
+            </a:r>
+          </a:p>
+          <a:p>
+            <a:endParaRPr lang="en-US" dirty="0">
+              <a:solidFill>
+                <a:srgbClr val="002060"/>
+              </a:solidFill>
+            </a:endParaRPr>
+          </a:p>
+          <a:p>
+            <a:r>
+              <a:rPr lang="en-US" dirty="0">
                 <a:solidFill>
-                  <a:srgbClr val="FF0000"/>
+                  <a:srgbClr val="002060"/>
                 </a:solidFill>
               </a:rPr>
-              <a:t>Response to STAT 201 Fall 2019 Survey</a:t>
-            </a:r>
-            <a:endParaRPr lang="en-US" dirty="0"/>
-          </a:p>
-          <a:p>
-            <a:r>
-              <a:rPr lang="en-US" dirty="0"/>
-              <a:t>Start Answering the questions on pages 13 and 14 of the lab book.</a:t>
-            </a:r>
-          </a:p>
-          <a:p>
-            <a:pPr lvl="1"/>
-            <a:endParaRPr lang="en-US" dirty="0"/>
-          </a:p>
-          <a:p>
-            <a:endParaRPr lang="en-US" dirty="0"/>
-          </a:p>
-        </p:txBody>
-      </p:sp>
+              <a:t>For Students who take STAT 201:</a:t>
+            </a:r>
+          </a:p>
+        </p:txBody>
+      </p:sp>
+      <p:pic>
+        <p:nvPicPr>
+          <p:cNvPr id="7" name="Picture 6"/>
+          <p:cNvPicPr>
+            <a:picLocks noChangeAspect="1"/>
+          </p:cNvPicPr>
+          <p:nvPr/>
+        </p:nvPicPr>
+        <p:blipFill>
+          <a:blip r:embed="rId2"/>
+          <a:stretch>
+            <a:fillRect/>
+          </a:stretch>
+        </p:blipFill>
+        <p:spPr>
+          <a:xfrm>
+            <a:off x="6001871" y="3327302"/>
+            <a:ext cx="2590264" cy="2316897"/>
+          </a:xfrm>
+          <a:prstGeom prst="rect">
+            <a:avLst/>
+          </a:prstGeom>
+        </p:spPr>
+      </p:pic>
+      <p:pic>
+        <p:nvPicPr>
+          <p:cNvPr id="8" name="Picture 7"/>
+          <p:cNvPicPr>
+            <a:picLocks noChangeAspect="1"/>
+          </p:cNvPicPr>
+          <p:nvPr/>
+        </p:nvPicPr>
+        <p:blipFill>
+          <a:blip r:embed="rId3"/>
+          <a:stretch>
+            <a:fillRect/>
+          </a:stretch>
+        </p:blipFill>
+        <p:spPr>
+          <a:xfrm>
+            <a:off x="5422177" y="5765823"/>
+            <a:ext cx="4219764" cy="967515"/>
+          </a:xfrm>
+          <a:prstGeom prst="rect">
+            <a:avLst/>
+          </a:prstGeom>
+        </p:spPr>
+      </p:pic>
     </p:spTree>
-    <p:extLst>
-      <p:ext uri="{BB962C8B-B14F-4D97-AF65-F5344CB8AC3E}">
-        <p14:creationId xmlns:p14="http://schemas.microsoft.com/office/powerpoint/2010/main" val="1739818610"/>
-      </p:ext>
-    </p:extLst>
   </p:cSld>
   <p:clrMapOvr>
     <a:masterClrMapping/>
@@ -4458,95 +4142,42 @@
       </p:grpSpPr>
       <p:sp>
         <p:nvSpPr>
-          <p:cNvPr id="2" name="Title 1"/>
-          <p:cNvSpPr>
-            <a:spLocks noGrp="1"/>
-          </p:cNvSpPr>
-          <p:nvPr>
-            <p:ph type="title"/>
-          </p:nvPr>
-        </p:nvSpPr>
-        <p:spPr>
-          <a:xfrm>
-            <a:off x="838200" y="365126"/>
-            <a:ext cx="10515600" cy="757822"/>
-          </a:xfrm>
-        </p:spPr>
-        <p:txBody>
-          <a:bodyPr/>
-          <a:lstStyle/>
-          <a:p>
-            <a:r>
-              <a:rPr lang="en-US" dirty="0"/>
-              <a:t>Categorical vs Quantitative Review</a:t>
-            </a:r>
-          </a:p>
-        </p:txBody>
-      </p:sp>
-      <p:sp>
-        <p:nvSpPr>
-          <p:cNvPr id="3" name="Content Placeholder 2"/>
-          <p:cNvSpPr>
-            <a:spLocks noGrp="1"/>
-          </p:cNvSpPr>
-          <p:nvPr>
-            <p:ph idx="1"/>
-          </p:nvPr>
-        </p:nvSpPr>
-        <p:spPr>
-          <a:xfrm>
-            <a:off x="838200" y="1122948"/>
-            <a:ext cx="10515600" cy="5054015"/>
-          </a:xfrm>
-        </p:spPr>
-        <p:txBody>
-          <a:bodyPr>
-            <a:normAutofit/>
+          <p:cNvPr id="6" name="Rectangle 5"/>
+          <p:cNvSpPr/>
+          <p:nvPr/>
+        </p:nvSpPr>
+        <p:spPr>
+          <a:xfrm>
+            <a:off x="2421091" y="374386"/>
+            <a:ext cx="3759234" cy="369332"/>
+          </a:xfrm>
+          <a:prstGeom prst="rect">
+            <a:avLst/>
+          </a:prstGeom>
+        </p:spPr>
+        <p:txBody>
+          <a:bodyPr wrap="none">
+            <a:spAutoFit/>
           </a:bodyPr>
           <a:lstStyle/>
           <a:p>
-            <a:pPr marL="457200" lvl="1" indent="0">
-              <a:buNone/>
-            </a:pPr>
-            <a:r>
-              <a:rPr lang="en-US" dirty="0"/>
-              <a:t>1.  </a:t>
-            </a:r>
-            <a:r>
-              <a:rPr lang="en-US" sz="2000" dirty="0"/>
-              <a:t>One categorical variables Example:</a:t>
-            </a:r>
-          </a:p>
-          <a:p>
-            <a:pPr lvl="2"/>
-            <a:r>
-              <a:rPr lang="en-US" dirty="0"/>
-              <a:t>Graph:   </a:t>
-            </a:r>
-            <a:r>
-              <a:rPr lang="en-US" altLang="zh-CN" dirty="0"/>
-              <a:t>Graph-&gt;Pie Chart-&gt;With Data-&gt; Choose Gender in Select columns -&gt; Compute</a:t>
-            </a:r>
-            <a:endParaRPr lang="en-US" dirty="0"/>
-          </a:p>
-          <a:p>
-            <a:pPr marL="457200" lvl="1" indent="0">
-              <a:buNone/>
-            </a:pPr>
-            <a:r>
-              <a:rPr lang="en-US" sz="2000" dirty="0"/>
-              <a:t>2. Choose another categorical variable, make a graph and save it in a word document, write one sentence to describe your observation.</a:t>
-            </a:r>
-          </a:p>
-          <a:p>
-            <a:endParaRPr lang="en-US" dirty="0"/>
+            <a:r>
+              <a:rPr lang="en-US" dirty="0">
+                <a:solidFill>
+                  <a:srgbClr val="002060"/>
+                </a:solidFill>
+              </a:rPr>
+              <a:t>Students who take Fall 2018 STAT 201:</a:t>
+            </a:r>
           </a:p>
         </p:txBody>
       </p:sp>
       <p:pic>
         <p:nvPicPr>
-          <p:cNvPr id="4" name="Picture 3"/>
-          <p:cNvPicPr/>
+          <p:cNvPr id="3" name="Picture 2"/>
+          <p:cNvPicPr>
+            <a:picLocks noChangeAspect="1"/>
+          </p:cNvPicPr>
           <p:nvPr/>
         </p:nvPicPr>
         <p:blipFill>
@@ -4557,8 +4188,8 @@
         </p:blipFill>
         <p:spPr>
           <a:xfrm>
-            <a:off x="5378512" y="2782083"/>
-            <a:ext cx="4833796" cy="3784179"/>
+            <a:off x="668332" y="869311"/>
+            <a:ext cx="7020726" cy="5771584"/>
           </a:xfrm>
           <a:prstGeom prst="rect">
             <a:avLst/>
@@ -4567,34 +4198,106 @@
       </p:pic>
       <p:sp>
         <p:nvSpPr>
-          <p:cNvPr id="5" name="TextBox 4"/>
-          <p:cNvSpPr txBox="1"/>
+          <p:cNvPr id="2" name="矩形 1">
+            <a:extLst>
+              <a:ext uri="{FF2B5EF4-FFF2-40B4-BE49-F238E27FC236}">
+                <a16:creationId xmlns:a16="http://schemas.microsoft.com/office/drawing/2014/main" id="{4B7E6EC5-B0C3-4AD3-9828-40424630ED0B}"/>
+              </a:ext>
+            </a:extLst>
+          </p:cNvPr>
+          <p:cNvSpPr/>
           <p:nvPr/>
         </p:nvSpPr>
         <p:spPr>
           <a:xfrm>
-            <a:off x="2227906" y="3095957"/>
-            <a:ext cx="3150606" cy="646331"/>
+            <a:off x="5427668" y="743718"/>
+            <a:ext cx="6096000" cy="1815882"/>
           </a:xfrm>
           <a:prstGeom prst="rect">
             <a:avLst/>
           </a:prstGeom>
-          <a:noFill/>
-        </p:spPr>
-        <p:txBody>
-          <a:bodyPr wrap="square" rtlCol="0">
+        </p:spPr>
+        <p:txBody>
+          <a:bodyPr>
             <a:spAutoFit/>
           </a:bodyPr>
           <a:lstStyle/>
           <a:p>
-            <a:r>
-              <a:rPr lang="en-US" dirty="0">
-                <a:solidFill>
-                  <a:srgbClr val="002060"/>
-                </a:solidFill>
-              </a:rPr>
-              <a:t>Students who take Fall 2018 STAT 201:</a:t>
-            </a:r>
+            <a:pPr lvl="2"/>
+            <a:r>
+              <a:rPr lang="en-US" altLang="zh-CN" sz="2800" dirty="0"/>
+              <a:t>Graph-&gt;Bar plot-&gt;with data-&gt; select column gender-&gt; group by transportation-&gt; stack bars-&gt;value above bar-&gt;compute</a:t>
+            </a:r>
+          </a:p>
+        </p:txBody>
+      </p:sp>
+      <p:sp>
+        <p:nvSpPr>
+          <p:cNvPr id="4" name="矩形 3">
+            <a:extLst>
+              <a:ext uri="{FF2B5EF4-FFF2-40B4-BE49-F238E27FC236}">
+                <a16:creationId xmlns:a16="http://schemas.microsoft.com/office/drawing/2014/main" id="{B1C065C4-7046-46CD-8397-260A4038AEAB}"/>
+              </a:ext>
+            </a:extLst>
+          </p:cNvPr>
+          <p:cNvSpPr/>
+          <p:nvPr/>
+        </p:nvSpPr>
+        <p:spPr>
+          <a:xfrm>
+            <a:off x="6293224" y="3741920"/>
+            <a:ext cx="6096000" cy="1015663"/>
+          </a:xfrm>
+          <a:prstGeom prst="rect">
+            <a:avLst/>
+          </a:prstGeom>
+        </p:spPr>
+        <p:txBody>
+          <a:bodyPr>
+            <a:spAutoFit/>
+          </a:bodyPr>
+          <a:lstStyle/>
+          <a:p>
+            <a:pPr lvl="2"/>
+            <a:r>
+              <a:rPr lang="en-US" altLang="zh-CN" sz="2000" dirty="0"/>
+              <a:t>Choose other variables and make a graph, save it in a word document, write one sentence to describe your observation.</a:t>
+            </a:r>
+          </a:p>
+        </p:txBody>
+      </p:sp>
+      <p:sp>
+        <p:nvSpPr>
+          <p:cNvPr id="5" name="矩形 4">
+            <a:extLst>
+              <a:ext uri="{FF2B5EF4-FFF2-40B4-BE49-F238E27FC236}">
+                <a16:creationId xmlns:a16="http://schemas.microsoft.com/office/drawing/2014/main" id="{EB46A974-4F75-433B-907B-4A577911ED5D}"/>
+              </a:ext>
+            </a:extLst>
+          </p:cNvPr>
+          <p:cNvSpPr/>
+          <p:nvPr/>
+        </p:nvSpPr>
+        <p:spPr>
+          <a:xfrm>
+            <a:off x="6674396" y="217105"/>
+            <a:ext cx="2776209" cy="369332"/>
+          </a:xfrm>
+          <a:prstGeom prst="rect">
+            <a:avLst/>
+          </a:prstGeom>
+        </p:spPr>
+        <p:txBody>
+          <a:bodyPr wrap="none">
+            <a:spAutoFit/>
+          </a:bodyPr>
+          <a:lstStyle/>
+          <a:p>
+            <a:r>
+              <a:rPr lang="en-US" altLang="zh-CN" dirty="0"/>
+              <a:t>3.Two Categorical variables:</a:t>
+            </a:r>
+            <a:endParaRPr lang="zh-CN" altLang="en-US" dirty="0"/>
           </a:p>
         </p:txBody>
       </p:sp>
@@ -4625,91 +4328,21 @@
       </p:grpSpPr>
       <p:sp>
         <p:nvSpPr>
-          <p:cNvPr id="4" name="Rectangle 3"/>
+          <p:cNvPr id="3" name="Rectangle 2"/>
           <p:cNvSpPr/>
           <p:nvPr/>
         </p:nvSpPr>
         <p:spPr>
           <a:xfrm>
-            <a:off x="0" y="311474"/>
-            <a:ext cx="11850986" cy="3662541"/>
+            <a:off x="2549254" y="862587"/>
+            <a:ext cx="4185285" cy="368300"/>
           </a:xfrm>
           <a:prstGeom prst="rect">
             <a:avLst/>
           </a:prstGeom>
         </p:spPr>
         <p:txBody>
-          <a:bodyPr wrap="square">
-            <a:spAutoFit/>
-          </a:bodyPr>
-          <a:lstStyle/>
-          <a:p>
-            <a:pPr marL="800100" lvl="1" indent="-342900">
-              <a:buAutoNum type="arabicPeriod" startAt="2"/>
-            </a:pPr>
-            <a:r>
-              <a:rPr lang="en-US" dirty="0"/>
-              <a:t>One quantitative variables:</a:t>
-            </a:r>
-            <a:endParaRPr lang="en-US" sz="3200" dirty="0"/>
-          </a:p>
-          <a:p>
-            <a:pPr lvl="1"/>
-            <a:endParaRPr lang="en-US" sz="2800" dirty="0"/>
-          </a:p>
-          <a:p>
-            <a:pPr lvl="2"/>
-            <a:r>
-              <a:rPr lang="en-US" sz="2800" dirty="0"/>
-              <a:t>Graph-&gt;Histogram-&gt;text-&gt;compute</a:t>
-            </a:r>
-          </a:p>
-          <a:p>
-            <a:pPr lvl="2"/>
-            <a:r>
-              <a:rPr lang="en-US" sz="2800" dirty="0"/>
-              <a:t>Stat-&gt; summary stats-&gt;columns-&gt;text-&gt;compute</a:t>
-            </a:r>
-          </a:p>
-          <a:p>
-            <a:pPr lvl="2"/>
-            <a:endParaRPr lang="en-US" sz="2800" dirty="0"/>
-          </a:p>
-          <a:p>
-            <a:pPr lvl="2"/>
-            <a:r>
-              <a:rPr lang="en-US" altLang="zh-CN" sz="2800" dirty="0"/>
-              <a:t>Choose another quantitative variable, make a graph and save it in a word document, write one sentence to describe your observation.</a:t>
-            </a:r>
-          </a:p>
-          <a:p>
-            <a:pPr lvl="2"/>
-            <a:endParaRPr lang="en-US" sz="2800" dirty="0"/>
-          </a:p>
-          <a:p>
-            <a:pPr lvl="2"/>
-            <a:endParaRPr lang="en-US" dirty="0"/>
-          </a:p>
-        </p:txBody>
-      </p:sp>
-      <p:sp>
-        <p:nvSpPr>
-          <p:cNvPr id="6" name="TextBox 5"/>
-          <p:cNvSpPr txBox="1"/>
-          <p:nvPr/>
-        </p:nvSpPr>
-        <p:spPr>
-          <a:xfrm>
-            <a:off x="1433820" y="3271192"/>
-            <a:ext cx="3385242" cy="1200329"/>
-          </a:xfrm>
-          <a:prstGeom prst="rect">
-            <a:avLst/>
-          </a:prstGeom>
-          <a:noFill/>
-        </p:spPr>
-        <p:txBody>
-          <a:bodyPr wrap="square" rtlCol="0">
+          <a:bodyPr wrap="none">
             <a:spAutoFit/>
           </a:bodyPr>
           <a:lstStyle/>
@@ -4720,31 +4353,14 @@
                   <a:srgbClr val="002060"/>
                 </a:solidFill>
               </a:rPr>
-              <a:t>How many text messages do you send per day?</a:t>
-            </a:r>
-          </a:p>
-          <a:p>
-            <a:endParaRPr lang="en-US" dirty="0">
-              <a:solidFill>
-                <a:srgbClr val="002060"/>
-              </a:solidFill>
-            </a:endParaRPr>
-          </a:p>
-          <a:p>
-            <a:r>
-              <a:rPr lang="en-US" dirty="0">
-                <a:solidFill>
-                  <a:srgbClr val="002060"/>
-                </a:solidFill>
-              </a:rPr>
-              <a:t>For Students who take STAT 201:</a:t>
+              <a:t>How much does students spent on clothing</a:t>
             </a:r>
           </a:p>
         </p:txBody>
       </p:sp>
       <p:pic>
         <p:nvPicPr>
-          <p:cNvPr id="7" name="Picture 6"/>
+          <p:cNvPr id="2" name="图片 1"/>
           <p:cNvPicPr>
             <a:picLocks noChangeAspect="1"/>
           </p:cNvPicPr>
@@ -4758,8 +4374,8 @@
         </p:blipFill>
         <p:spPr>
           <a:xfrm>
-            <a:off x="6001871" y="3327302"/>
-            <a:ext cx="2590264" cy="2316897"/>
+            <a:off x="559847" y="1548601"/>
+            <a:ext cx="7336693" cy="3391423"/>
           </a:xfrm>
           <a:prstGeom prst="rect">
             <a:avLst/>
@@ -4768,7 +4384,7 @@
       </p:pic>
       <p:pic>
         <p:nvPicPr>
-          <p:cNvPr id="8" name="Picture 7"/>
+          <p:cNvPr id="5" name="图片 4"/>
           <p:cNvPicPr>
             <a:picLocks noChangeAspect="1"/>
           </p:cNvPicPr>
@@ -4782,14 +4398,143 @@
         </p:blipFill>
         <p:spPr>
           <a:xfrm>
-            <a:off x="5422177" y="5765823"/>
-            <a:ext cx="4219764" cy="967515"/>
+            <a:off x="946075" y="5155453"/>
+            <a:ext cx="4469765" cy="1478280"/>
           </a:xfrm>
           <a:prstGeom prst="rect">
             <a:avLst/>
           </a:prstGeom>
         </p:spPr>
       </p:pic>
+      <p:sp>
+        <p:nvSpPr>
+          <p:cNvPr id="4" name="矩形 3">
+            <a:extLst>
+              <a:ext uri="{FF2B5EF4-FFF2-40B4-BE49-F238E27FC236}">
+                <a16:creationId xmlns:a16="http://schemas.microsoft.com/office/drawing/2014/main" id="{083D815F-AB25-49FE-B516-E517F41009BD}"/>
+              </a:ext>
+            </a:extLst>
+          </p:cNvPr>
+          <p:cNvSpPr/>
+          <p:nvPr/>
+        </p:nvSpPr>
+        <p:spPr>
+          <a:xfrm>
+            <a:off x="7776882" y="1008043"/>
+            <a:ext cx="4168588" cy="4832092"/>
+          </a:xfrm>
+          <a:prstGeom prst="rect">
+            <a:avLst/>
+          </a:prstGeom>
+        </p:spPr>
+        <p:txBody>
+          <a:bodyPr wrap="square">
+            <a:spAutoFit/>
+          </a:bodyPr>
+          <a:lstStyle/>
+          <a:p>
+            <a:pPr lvl="2"/>
+            <a:r>
+              <a:rPr lang="en-US" altLang="zh-CN" sz="2800" dirty="0"/>
+              <a:t>Graph-&gt;</a:t>
+            </a:r>
+            <a:r>
+              <a:rPr lang="en-US" altLang="zh-CN" sz="2800" dirty="0" err="1"/>
+              <a:t>dotplot</a:t>
+            </a:r>
+            <a:r>
+              <a:rPr lang="en-US" altLang="zh-CN" sz="2800" dirty="0"/>
+              <a:t>- select column clothing-&gt; group by gender-&gt; marker mean-&gt;compute</a:t>
+            </a:r>
+          </a:p>
+          <a:p>
+            <a:pPr lvl="2"/>
+            <a:endParaRPr lang="en-US" altLang="zh-CN" sz="2800" dirty="0"/>
+          </a:p>
+          <a:p>
+            <a:pPr lvl="2"/>
+            <a:r>
+              <a:rPr lang="en-US" altLang="zh-CN" sz="2800" dirty="0"/>
+              <a:t>Stat-&gt; summary stats-&gt;columns-&gt;clothing -&gt; group by gender-&gt;compute</a:t>
+            </a:r>
+          </a:p>
+          <a:p>
+            <a:pPr lvl="2"/>
+            <a:endParaRPr lang="en-US" altLang="zh-CN" sz="2800" dirty="0"/>
+          </a:p>
+        </p:txBody>
+      </p:sp>
+      <p:sp>
+        <p:nvSpPr>
+          <p:cNvPr id="6" name="矩形 5">
+            <a:extLst>
+              <a:ext uri="{FF2B5EF4-FFF2-40B4-BE49-F238E27FC236}">
+                <a16:creationId xmlns:a16="http://schemas.microsoft.com/office/drawing/2014/main" id="{A1C0F589-9DC3-4BDD-884A-E26C5A512C41}"/>
+              </a:ext>
+            </a:extLst>
+          </p:cNvPr>
+          <p:cNvSpPr/>
+          <p:nvPr/>
+        </p:nvSpPr>
+        <p:spPr>
+          <a:xfrm>
+            <a:off x="5732930" y="5638364"/>
+            <a:ext cx="6096000" cy="646331"/>
+          </a:xfrm>
+          <a:prstGeom prst="rect">
+            <a:avLst/>
+          </a:prstGeom>
+        </p:spPr>
+        <p:txBody>
+          <a:bodyPr>
+            <a:spAutoFit/>
+          </a:bodyPr>
+          <a:lstStyle/>
+          <a:p>
+            <a:r>
+              <a:rPr lang="en-US" altLang="zh-CN" dirty="0"/>
+              <a:t>make a similar graph with other variables, save it in a word document, write one sentence to describe your observation.</a:t>
+            </a:r>
+            <a:endParaRPr lang="zh-CN" altLang="en-US" dirty="0"/>
+          </a:p>
+        </p:txBody>
+      </p:sp>
+      <p:sp>
+        <p:nvSpPr>
+          <p:cNvPr id="7" name="矩形 6">
+            <a:extLst>
+              <a:ext uri="{FF2B5EF4-FFF2-40B4-BE49-F238E27FC236}">
+                <a16:creationId xmlns:a16="http://schemas.microsoft.com/office/drawing/2014/main" id="{0DA035E1-5D05-48BC-824A-E8CD8C19BB06}"/>
+              </a:ext>
+            </a:extLst>
+          </p:cNvPr>
+          <p:cNvSpPr/>
+          <p:nvPr/>
+        </p:nvSpPr>
+        <p:spPr>
+          <a:xfrm>
+            <a:off x="1239175" y="224267"/>
+            <a:ext cx="5260479" cy="369332"/>
+          </a:xfrm>
+          <a:prstGeom prst="rect">
+            <a:avLst/>
+          </a:prstGeom>
+        </p:spPr>
+        <p:txBody>
+          <a:bodyPr wrap="none">
+            <a:spAutoFit/>
+          </a:bodyPr>
+          <a:lstStyle/>
+          <a:p>
+            <a:pPr lvl="1"/>
+            <a:r>
+              <a:rPr lang="en-US" altLang="zh-CN" dirty="0"/>
+              <a:t>4.One quantitative and one Categorical variables:</a:t>
+            </a:r>
+            <a:endParaRPr lang="en-US" altLang="zh-CN" sz="3200" dirty="0"/>
+          </a:p>
+        </p:txBody>
+      </p:sp>
     </p:spTree>
   </p:cSld>
   <p:clrMapOvr>
@@ -4817,166 +4562,116 @@
       </p:grpSpPr>
       <p:sp>
         <p:nvSpPr>
-          <p:cNvPr id="6" name="Rectangle 5"/>
-          <p:cNvSpPr/>
-          <p:nvPr/>
-        </p:nvSpPr>
-        <p:spPr>
-          <a:xfrm>
-            <a:off x="2421091" y="374386"/>
-            <a:ext cx="3759234" cy="369332"/>
-          </a:xfrm>
-          <a:prstGeom prst="rect">
-            <a:avLst/>
-          </a:prstGeom>
-        </p:spPr>
-        <p:txBody>
-          <a:bodyPr wrap="none">
-            <a:spAutoFit/>
+          <p:cNvPr id="2" name="Title 1"/>
+          <p:cNvSpPr>
+            <a:spLocks noGrp="1"/>
+          </p:cNvSpPr>
+          <p:nvPr>
+            <p:ph type="title"/>
+          </p:nvPr>
+        </p:nvSpPr>
+        <p:spPr>
+          <a:xfrm>
+            <a:off x="233265" y="74645"/>
+            <a:ext cx="11251163" cy="654990"/>
+          </a:xfrm>
+        </p:spPr>
+        <p:txBody>
+          <a:bodyPr>
+            <a:normAutofit fontScale="90000"/>
           </a:bodyPr>
           <a:lstStyle/>
           <a:p>
             <a:r>
-              <a:rPr lang="en-US" dirty="0">
-                <a:solidFill>
-                  <a:srgbClr val="002060"/>
-                </a:solidFill>
-              </a:rPr>
-              <a:t>Students who take Fall 2018 STAT 201:</a:t>
-            </a:r>
-          </a:p>
-        </p:txBody>
-      </p:sp>
-      <p:pic>
-        <p:nvPicPr>
-          <p:cNvPr id="3" name="Picture 2"/>
-          <p:cNvPicPr>
-            <a:picLocks noChangeAspect="1"/>
-          </p:cNvPicPr>
-          <p:nvPr/>
-        </p:nvPicPr>
-        <p:blipFill>
-          <a:blip r:embed="rId2"/>
-          <a:stretch>
-            <a:fillRect/>
-          </a:stretch>
-        </p:blipFill>
-        <p:spPr>
-          <a:xfrm>
-            <a:off x="668332" y="869311"/>
-            <a:ext cx="7020726" cy="5771584"/>
-          </a:xfrm>
-          <a:prstGeom prst="rect">
-            <a:avLst/>
-          </a:prstGeom>
-        </p:spPr>
-      </p:pic>
-      <p:sp>
-        <p:nvSpPr>
-          <p:cNvPr id="2" name="矩形 1">
-            <a:extLst>
-              <a:ext uri="{FF2B5EF4-FFF2-40B4-BE49-F238E27FC236}">
-                <a16:creationId xmlns:a16="http://schemas.microsoft.com/office/drawing/2014/main" id="{4B7E6EC5-B0C3-4AD3-9828-40424630ED0B}"/>
-              </a:ext>
-            </a:extLst>
-          </p:cNvPr>
-          <p:cNvSpPr/>
-          <p:nvPr/>
-        </p:nvSpPr>
-        <p:spPr>
-          <a:xfrm>
-            <a:off x="5427668" y="743718"/>
-            <a:ext cx="6096000" cy="1815882"/>
-          </a:xfrm>
-          <a:prstGeom prst="rect">
-            <a:avLst/>
-          </a:prstGeom>
-        </p:spPr>
-        <p:txBody>
-          <a:bodyPr>
-            <a:spAutoFit/>
-          </a:bodyPr>
-          <a:lstStyle/>
-          <a:p>
-            <a:pPr lvl="2"/>
-            <a:r>
-              <a:rPr lang="en-US" altLang="zh-CN" sz="2800" dirty="0"/>
-              <a:t>Graph-&gt;Bar plot-&gt;with data-&gt; select column gender-&gt; group by transportation-&gt; stack bars-&gt;value above bar-&gt;compute</a:t>
-            </a:r>
-          </a:p>
-        </p:txBody>
-      </p:sp>
-      <p:sp>
-        <p:nvSpPr>
-          <p:cNvPr id="4" name="矩形 3">
-            <a:extLst>
-              <a:ext uri="{FF2B5EF4-FFF2-40B4-BE49-F238E27FC236}">
-                <a16:creationId xmlns:a16="http://schemas.microsoft.com/office/drawing/2014/main" id="{B1C065C4-7046-46CD-8397-260A4038AEAB}"/>
-              </a:ext>
-            </a:extLst>
-          </p:cNvPr>
-          <p:cNvSpPr/>
-          <p:nvPr/>
-        </p:nvSpPr>
-        <p:spPr>
-          <a:xfrm>
-            <a:off x="6293224" y="3741920"/>
-            <a:ext cx="6096000" cy="1015663"/>
-          </a:xfrm>
-          <a:prstGeom prst="rect">
-            <a:avLst/>
-          </a:prstGeom>
-        </p:spPr>
-        <p:txBody>
-          <a:bodyPr>
-            <a:spAutoFit/>
-          </a:bodyPr>
-          <a:lstStyle/>
-          <a:p>
-            <a:pPr lvl="2"/>
-            <a:r>
-              <a:rPr lang="en-US" altLang="zh-CN" sz="2000" dirty="0"/>
-              <a:t>Choose other variables and make a graph, save it in a word document, write one sentence to describe your observation.</a:t>
-            </a:r>
-          </a:p>
-        </p:txBody>
-      </p:sp>
-      <p:sp>
-        <p:nvSpPr>
-          <p:cNvPr id="5" name="矩形 4">
-            <a:extLst>
-              <a:ext uri="{FF2B5EF4-FFF2-40B4-BE49-F238E27FC236}">
-                <a16:creationId xmlns:a16="http://schemas.microsoft.com/office/drawing/2014/main" id="{EB46A974-4F75-433B-907B-4A577911ED5D}"/>
-              </a:ext>
-            </a:extLst>
-          </p:cNvPr>
-          <p:cNvSpPr/>
-          <p:nvPr/>
-        </p:nvSpPr>
-        <p:spPr>
-          <a:xfrm>
-            <a:off x="6674396" y="217105"/>
-            <a:ext cx="2776209" cy="369332"/>
-          </a:xfrm>
-          <a:prstGeom prst="rect">
-            <a:avLst/>
-          </a:prstGeom>
-        </p:spPr>
-        <p:txBody>
-          <a:bodyPr wrap="none">
-            <a:spAutoFit/>
-          </a:bodyPr>
-          <a:lstStyle/>
-          <a:p>
-            <a:r>
-              <a:rPr lang="en-US" altLang="zh-CN" dirty="0"/>
-              <a:t>3.Two Categorical variables:</a:t>
-            </a:r>
-            <a:endParaRPr lang="zh-CN" altLang="en-US" dirty="0"/>
+              <a:rPr lang="en-US" dirty="0"/>
+              <a:t>Before you Leave</a:t>
+            </a:r>
+          </a:p>
+        </p:txBody>
+      </p:sp>
+      <p:sp>
+        <p:nvSpPr>
+          <p:cNvPr id="3" name="Content Placeholder 2"/>
+          <p:cNvSpPr>
+            <a:spLocks noGrp="1"/>
+          </p:cNvSpPr>
+          <p:nvPr>
+            <p:ph idx="1"/>
+          </p:nvPr>
+        </p:nvSpPr>
+        <p:spPr>
+          <a:xfrm>
+            <a:off x="233265" y="729635"/>
+            <a:ext cx="11120535" cy="5447328"/>
+          </a:xfrm>
+        </p:spPr>
+        <p:txBody>
+          <a:bodyPr/>
+          <a:lstStyle/>
+          <a:p>
+            <a:r>
+              <a:rPr lang="en-US" dirty="0"/>
+              <a:t>Turn in pages 13 and 14 from the lab book and the Word document you created with  graphs, numerical summaries, and observations.  </a:t>
+            </a:r>
+            <a:r>
+              <a:rPr lang="en-US" i="1" dirty="0"/>
+              <a:t>Everyone needs to turn in their own work</a:t>
+            </a:r>
+            <a:r>
+              <a:rPr lang="en-US" dirty="0"/>
+              <a:t>.</a:t>
+            </a:r>
+          </a:p>
+          <a:p>
+            <a:pPr lvl="1"/>
+            <a:r>
+              <a:rPr lang="en-US" dirty="0"/>
+              <a:t>Make sure to fill in Table 2.2.  </a:t>
+            </a:r>
+          </a:p>
+          <a:p>
+            <a:pPr lvl="1"/>
+            <a:r>
+              <a:rPr lang="en-US" dirty="0"/>
+              <a:t>Reference table 2.1 on page 10 for what graphs and numerical summaries are appropriate.</a:t>
+            </a:r>
+          </a:p>
+          <a:p>
+            <a:pPr lvl="1"/>
+            <a:r>
+              <a:rPr lang="en-US" dirty="0"/>
+              <a:t>For Numerical Summaries look under Summary Stats and Tables.  </a:t>
+            </a:r>
+          </a:p>
+          <a:p>
+            <a:pPr lvl="1"/>
+            <a:r>
+              <a:rPr lang="en-US" dirty="0"/>
+              <a:t>When working with Two Variables (#3 and #4) make sure your graphs have all information on one graph (use the Group by option). </a:t>
+            </a:r>
+          </a:p>
+          <a:p>
+            <a:r>
+              <a:rPr lang="en-US" b="1" dirty="0"/>
+              <a:t>Register for </a:t>
+            </a:r>
+            <a:r>
+              <a:rPr lang="en-US" b="1" dirty="0" err="1"/>
+              <a:t>MyStatLab</a:t>
+            </a:r>
+            <a:r>
+              <a:rPr lang="en-US" b="1" dirty="0"/>
+              <a:t> if you haven’t already.  If you haven’t already done so make sure you do Pre-Lab Introduction and Pre-Lab 2 as they are due now (Before you leave lab today).</a:t>
+            </a:r>
           </a:p>
         </p:txBody>
       </p:sp>
     </p:spTree>
+    <p:extLst>
+      <p:ext uri="{BB962C8B-B14F-4D97-AF65-F5344CB8AC3E}">
+        <p14:creationId xmlns:p14="http://schemas.microsoft.com/office/powerpoint/2010/main" val="2240038431"/>
+      </p:ext>
+    </p:extLst>
   </p:cSld>
   <p:clrMapOvr>
     <a:masterClrMapping/>
@@ -4992,7 +4687,7 @@
         <a:sysClr val="windowText" lastClr="000000"/>
       </a:dk1>
       <a:lt1>
-        <a:sysClr val="window" lastClr="FFFFFF"/>
+        <a:sysClr val="window" lastClr="CCE8CF"/>
       </a:lt1>
       <a:dk2>
         <a:srgbClr val="44546A"/>
@@ -5253,7 +4948,7 @@
         <a:sysClr val="windowText" lastClr="000000"/>
       </a:dk1>
       <a:lt1>
-        <a:sysClr val="window" lastClr="FFFFFF"/>
+        <a:sysClr val="window" lastClr="CCE8CF"/>
       </a:lt1>
       <a:dk2>
         <a:srgbClr val="44546A"/>
